--- a/docs/site_map.pptx
+++ b/docs/site_map.pptx
@@ -239,7 +239,7 @@
           <a:p>
             <a:fld id="{F4F82602-DF05-4530-BFBF-EAF249EC2833}" type="datetimeFigureOut">
               <a:rPr lang="ko-KR" altLang="en-US" smtClean="0"/>
-              <a:t>2016-05-03</a:t>
+              <a:t>2016-05-04</a:t>
             </a:fld>
             <a:endParaRPr lang="ko-KR" altLang="en-US"/>
           </a:p>
@@ -409,7 +409,7 @@
           <a:p>
             <a:fld id="{F4F82602-DF05-4530-BFBF-EAF249EC2833}" type="datetimeFigureOut">
               <a:rPr lang="ko-KR" altLang="en-US" smtClean="0"/>
-              <a:t>2016-05-03</a:t>
+              <a:t>2016-05-04</a:t>
             </a:fld>
             <a:endParaRPr lang="ko-KR" altLang="en-US"/>
           </a:p>
@@ -589,7 +589,7 @@
           <a:p>
             <a:fld id="{F4F82602-DF05-4530-BFBF-EAF249EC2833}" type="datetimeFigureOut">
               <a:rPr lang="ko-KR" altLang="en-US" smtClean="0"/>
-              <a:t>2016-05-03</a:t>
+              <a:t>2016-05-04</a:t>
             </a:fld>
             <a:endParaRPr lang="ko-KR" altLang="en-US"/>
           </a:p>
@@ -759,7 +759,7 @@
           <a:p>
             <a:fld id="{F4F82602-DF05-4530-BFBF-EAF249EC2833}" type="datetimeFigureOut">
               <a:rPr lang="ko-KR" altLang="en-US" smtClean="0"/>
-              <a:t>2016-05-03</a:t>
+              <a:t>2016-05-04</a:t>
             </a:fld>
             <a:endParaRPr lang="ko-KR" altLang="en-US"/>
           </a:p>
@@ -1005,7 +1005,7 @@
           <a:p>
             <a:fld id="{F4F82602-DF05-4530-BFBF-EAF249EC2833}" type="datetimeFigureOut">
               <a:rPr lang="ko-KR" altLang="en-US" smtClean="0"/>
-              <a:t>2016-05-03</a:t>
+              <a:t>2016-05-04</a:t>
             </a:fld>
             <a:endParaRPr lang="ko-KR" altLang="en-US"/>
           </a:p>
@@ -1237,7 +1237,7 @@
           <a:p>
             <a:fld id="{F4F82602-DF05-4530-BFBF-EAF249EC2833}" type="datetimeFigureOut">
               <a:rPr lang="ko-KR" altLang="en-US" smtClean="0"/>
-              <a:t>2016-05-03</a:t>
+              <a:t>2016-05-04</a:t>
             </a:fld>
             <a:endParaRPr lang="ko-KR" altLang="en-US"/>
           </a:p>
@@ -1604,7 +1604,7 @@
           <a:p>
             <a:fld id="{F4F82602-DF05-4530-BFBF-EAF249EC2833}" type="datetimeFigureOut">
               <a:rPr lang="ko-KR" altLang="en-US" smtClean="0"/>
-              <a:t>2016-05-03</a:t>
+              <a:t>2016-05-04</a:t>
             </a:fld>
             <a:endParaRPr lang="ko-KR" altLang="en-US"/>
           </a:p>
@@ -1722,7 +1722,7 @@
           <a:p>
             <a:fld id="{F4F82602-DF05-4530-BFBF-EAF249EC2833}" type="datetimeFigureOut">
               <a:rPr lang="ko-KR" altLang="en-US" smtClean="0"/>
-              <a:t>2016-05-03</a:t>
+              <a:t>2016-05-04</a:t>
             </a:fld>
             <a:endParaRPr lang="ko-KR" altLang="en-US"/>
           </a:p>
@@ -1817,7 +1817,7 @@
           <a:p>
             <a:fld id="{F4F82602-DF05-4530-BFBF-EAF249EC2833}" type="datetimeFigureOut">
               <a:rPr lang="ko-KR" altLang="en-US" smtClean="0"/>
-              <a:t>2016-05-03</a:t>
+              <a:t>2016-05-04</a:t>
             </a:fld>
             <a:endParaRPr lang="ko-KR" altLang="en-US"/>
           </a:p>
@@ -2094,7 +2094,7 @@
           <a:p>
             <a:fld id="{F4F82602-DF05-4530-BFBF-EAF249EC2833}" type="datetimeFigureOut">
               <a:rPr lang="ko-KR" altLang="en-US" smtClean="0"/>
-              <a:t>2016-05-03</a:t>
+              <a:t>2016-05-04</a:t>
             </a:fld>
             <a:endParaRPr lang="ko-KR" altLang="en-US"/>
           </a:p>
@@ -2347,7 +2347,7 @@
           <a:p>
             <a:fld id="{F4F82602-DF05-4530-BFBF-EAF249EC2833}" type="datetimeFigureOut">
               <a:rPr lang="ko-KR" altLang="en-US" smtClean="0"/>
-              <a:t>2016-05-03</a:t>
+              <a:t>2016-05-04</a:t>
             </a:fld>
             <a:endParaRPr lang="ko-KR" altLang="en-US"/>
           </a:p>
@@ -2563,7 +2563,7 @@
           <a:p>
             <a:fld id="{F4F82602-DF05-4530-BFBF-EAF249EC2833}" type="datetimeFigureOut">
               <a:rPr lang="ko-KR" altLang="en-US" smtClean="0"/>
-              <a:t>2016-05-03</a:t>
+              <a:t>2016-05-04</a:t>
             </a:fld>
             <a:endParaRPr lang="ko-KR" altLang="en-US"/>
           </a:p>
@@ -2970,14 +2970,154 @@
       </p:grpSpPr>
       <p:cxnSp>
         <p:nvCxnSpPr>
-          <p:cNvPr id="112" name="직선 연결선 111"/>
+          <p:cNvPr id="158" name="직선 연결선 157"/>
           <p:cNvCxnSpPr/>
           <p:nvPr/>
         </p:nvCxnSpPr>
         <p:spPr>
+          <a:xfrm>
+            <a:off x="11357783" y="2005701"/>
+            <a:ext cx="21417" cy="4852299"/>
+          </a:xfrm>
+          <a:prstGeom prst="line">
+            <a:avLst/>
+          </a:prstGeom>
+          <a:ln w="38100">
+            <a:solidFill>
+              <a:srgbClr val="404040"/>
+            </a:solidFill>
+          </a:ln>
+        </p:spPr>
+        <p:style>
+          <a:lnRef idx="1">
+            <a:schemeClr val="accent1"/>
+          </a:lnRef>
+          <a:fillRef idx="0">
+            <a:schemeClr val="accent1"/>
+          </a:fillRef>
+          <a:effectRef idx="0">
+            <a:schemeClr val="accent1"/>
+          </a:effectRef>
+          <a:fontRef idx="minor">
+            <a:schemeClr val="tx1"/>
+          </a:fontRef>
+        </p:style>
+      </p:cxnSp>
+      <p:cxnSp>
+        <p:nvCxnSpPr>
+          <p:cNvPr id="102" name="직선 연결선 101"/>
+          <p:cNvCxnSpPr/>
+          <p:nvPr/>
+        </p:nvCxnSpPr>
+        <p:spPr>
+          <a:xfrm>
+            <a:off x="10123197" y="1733989"/>
+            <a:ext cx="0" cy="585878"/>
+          </a:xfrm>
+          <a:prstGeom prst="line">
+            <a:avLst/>
+          </a:prstGeom>
+          <a:ln w="38100">
+            <a:solidFill>
+              <a:srgbClr val="404040"/>
+            </a:solidFill>
+          </a:ln>
+        </p:spPr>
+        <p:style>
+          <a:lnRef idx="1">
+            <a:schemeClr val="accent1"/>
+          </a:lnRef>
+          <a:fillRef idx="0">
+            <a:schemeClr val="accent1"/>
+          </a:fillRef>
+          <a:effectRef idx="0">
+            <a:schemeClr val="accent1"/>
+          </a:effectRef>
+          <a:fontRef idx="minor">
+            <a:schemeClr val="tx1"/>
+          </a:fontRef>
+        </p:style>
+      </p:cxnSp>
+      <p:cxnSp>
+        <p:nvCxnSpPr>
+          <p:cNvPr id="96" name="직선 연결선 95"/>
+          <p:cNvCxnSpPr/>
+          <p:nvPr/>
+        </p:nvCxnSpPr>
+        <p:spPr>
+          <a:xfrm>
+            <a:off x="9032973" y="857731"/>
+            <a:ext cx="0" cy="498234"/>
+          </a:xfrm>
+          <a:prstGeom prst="line">
+            <a:avLst/>
+          </a:prstGeom>
+          <a:ln w="38100">
+            <a:solidFill>
+              <a:srgbClr val="404040"/>
+            </a:solidFill>
+          </a:ln>
+        </p:spPr>
+        <p:style>
+          <a:lnRef idx="1">
+            <a:schemeClr val="accent1"/>
+          </a:lnRef>
+          <a:fillRef idx="0">
+            <a:schemeClr val="accent1"/>
+          </a:fillRef>
+          <a:effectRef idx="0">
+            <a:schemeClr val="accent1"/>
+          </a:effectRef>
+          <a:fontRef idx="minor">
+            <a:schemeClr val="tx1"/>
+          </a:fontRef>
+        </p:style>
+      </p:cxnSp>
+      <p:cxnSp>
+        <p:nvCxnSpPr>
+          <p:cNvPr id="98" name="직선 연결선 97"/>
+          <p:cNvCxnSpPr/>
+          <p:nvPr/>
+        </p:nvCxnSpPr>
+        <p:spPr>
+          <a:xfrm>
+            <a:off x="10256539" y="854630"/>
+            <a:ext cx="0" cy="1465237"/>
+          </a:xfrm>
+          <a:prstGeom prst="line">
+            <a:avLst/>
+          </a:prstGeom>
+          <a:ln w="38100">
+            <a:solidFill>
+              <a:srgbClr val="404040"/>
+            </a:solidFill>
+          </a:ln>
+        </p:spPr>
+        <p:style>
+          <a:lnRef idx="1">
+            <a:schemeClr val="accent1"/>
+          </a:lnRef>
+          <a:fillRef idx="0">
+            <a:schemeClr val="accent1"/>
+          </a:fillRef>
+          <a:effectRef idx="0">
+            <a:schemeClr val="accent1"/>
+          </a:effectRef>
+          <a:fontRef idx="minor">
+            <a:schemeClr val="tx1"/>
+          </a:fontRef>
+        </p:style>
+      </p:cxnSp>
+      <p:cxnSp>
+        <p:nvCxnSpPr>
+          <p:cNvPr id="100" name="직선 연결선 99"/>
+          <p:cNvCxnSpPr/>
+          <p:nvPr/>
+        </p:nvCxnSpPr>
+        <p:spPr>
           <a:xfrm flipH="1">
-            <a:off x="4262140" y="857731"/>
-            <a:ext cx="894060" cy="0"/>
+            <a:off x="9508045" y="1732958"/>
+            <a:ext cx="632086" cy="0"/>
           </a:xfrm>
           <a:prstGeom prst="line">
             <a:avLst/>
@@ -3011,8 +3151,8 @@
         </p:nvCxnSpPr>
         <p:spPr>
           <a:xfrm>
-            <a:off x="7541190" y="2820099"/>
-            <a:ext cx="0" cy="488378"/>
+            <a:off x="7236378" y="2820099"/>
+            <a:ext cx="0" cy="1294485"/>
           </a:xfrm>
           <a:prstGeom prst="line">
             <a:avLst/>
@@ -3046,8 +3186,8 @@
         </p:nvCxnSpPr>
         <p:spPr>
           <a:xfrm>
-            <a:off x="3197963" y="3312858"/>
-            <a:ext cx="4361252" cy="1"/>
+            <a:off x="2893151" y="3312858"/>
+            <a:ext cx="3337387" cy="0"/>
           </a:xfrm>
           <a:prstGeom prst="line">
             <a:avLst/>
@@ -3081,7 +3221,7 @@
         </p:nvCxnSpPr>
         <p:spPr>
           <a:xfrm>
-            <a:off x="6535350" y="2840418"/>
+            <a:off x="6230538" y="2840418"/>
             <a:ext cx="0" cy="488378"/>
           </a:xfrm>
           <a:prstGeom prst="line">
@@ -3116,7 +3256,7 @@
         </p:nvCxnSpPr>
         <p:spPr>
           <a:xfrm>
-            <a:off x="4262192" y="2838535"/>
+            <a:off x="3957380" y="2838535"/>
             <a:ext cx="0" cy="488378"/>
           </a:xfrm>
           <a:prstGeom prst="line">
@@ -3151,7 +3291,7 @@
         </p:nvCxnSpPr>
         <p:spPr>
           <a:xfrm>
-            <a:off x="3218080" y="2838535"/>
+            <a:off x="2913268" y="2838535"/>
             <a:ext cx="0" cy="488378"/>
           </a:xfrm>
           <a:prstGeom prst="line">
@@ -3186,7 +3326,7 @@
         </p:nvCxnSpPr>
         <p:spPr>
           <a:xfrm>
-            <a:off x="8790423" y="2930764"/>
+            <a:off x="10441404" y="2930764"/>
             <a:ext cx="0" cy="3927236"/>
           </a:xfrm>
           <a:prstGeom prst="line">
@@ -3221,8 +3361,8 @@
         </p:nvCxnSpPr>
         <p:spPr>
           <a:xfrm>
-            <a:off x="10236254" y="2705179"/>
-            <a:ext cx="0" cy="4160504"/>
+            <a:off x="9367484" y="5108975"/>
+            <a:ext cx="0" cy="1749025"/>
           </a:xfrm>
           <a:prstGeom prst="line">
             <a:avLst/>
@@ -3256,7 +3396,7 @@
         </p:nvCxnSpPr>
         <p:spPr>
           <a:xfrm>
-            <a:off x="7625276" y="6199584"/>
+            <a:off x="8233264" y="6199584"/>
             <a:ext cx="0" cy="658416"/>
           </a:xfrm>
           <a:prstGeom prst="line">
@@ -3291,8 +3431,8 @@
         </p:nvCxnSpPr>
         <p:spPr>
           <a:xfrm>
-            <a:off x="8744427" y="857729"/>
-            <a:ext cx="0" cy="996471"/>
+            <a:off x="8311036" y="854630"/>
+            <a:ext cx="32035" cy="2853076"/>
           </a:xfrm>
           <a:prstGeom prst="line">
             <a:avLst/>
@@ -3326,8 +3466,8 @@
         </p:nvCxnSpPr>
         <p:spPr>
           <a:xfrm flipH="1">
-            <a:off x="5783252" y="5816384"/>
-            <a:ext cx="1661530" cy="0"/>
+            <a:off x="6640855" y="5781758"/>
+            <a:ext cx="1266995" cy="0"/>
           </a:xfrm>
           <a:prstGeom prst="line">
             <a:avLst/>
@@ -3361,8 +3501,8 @@
         </p:nvCxnSpPr>
         <p:spPr>
           <a:xfrm>
-            <a:off x="5310895" y="2996491"/>
-            <a:ext cx="0" cy="711215"/>
+            <a:off x="5014550" y="3004958"/>
+            <a:ext cx="0" cy="1118093"/>
           </a:xfrm>
           <a:prstGeom prst="line">
             <a:avLst/>
@@ -3396,8 +3536,8 @@
         </p:nvCxnSpPr>
         <p:spPr>
           <a:xfrm>
-            <a:off x="5305815" y="4354516"/>
-            <a:ext cx="0" cy="1004884"/>
+            <a:off x="6129055" y="4114584"/>
+            <a:ext cx="0" cy="1282240"/>
           </a:xfrm>
           <a:prstGeom prst="line">
             <a:avLst/>
@@ -3431,7 +3571,7 @@
         </p:nvCxnSpPr>
         <p:spPr>
           <a:xfrm>
-            <a:off x="7441997" y="1714522"/>
+            <a:off x="7137185" y="1714522"/>
             <a:ext cx="0" cy="488378"/>
           </a:xfrm>
           <a:prstGeom prst="line">
@@ -3466,7 +3606,7 @@
         </p:nvCxnSpPr>
         <p:spPr>
           <a:xfrm>
-            <a:off x="3083530" y="1734841"/>
+            <a:off x="2778718" y="1734841"/>
             <a:ext cx="4361252" cy="1"/>
           </a:xfrm>
           <a:prstGeom prst="line">
@@ -3501,7 +3641,7 @@
         </p:nvCxnSpPr>
         <p:spPr>
           <a:xfrm>
-            <a:off x="6420917" y="1734841"/>
+            <a:off x="6116105" y="1734841"/>
             <a:ext cx="0" cy="488378"/>
           </a:xfrm>
           <a:prstGeom prst="line">
@@ -3536,7 +3676,7 @@
         </p:nvCxnSpPr>
         <p:spPr>
           <a:xfrm>
-            <a:off x="4147759" y="1732958"/>
+            <a:off x="3842947" y="1732958"/>
             <a:ext cx="0" cy="488378"/>
           </a:xfrm>
           <a:prstGeom prst="line">
@@ -3571,7 +3711,7 @@
         </p:nvCxnSpPr>
         <p:spPr>
           <a:xfrm>
-            <a:off x="3103647" y="1732958"/>
+            <a:off x="2798835" y="1732958"/>
             <a:ext cx="0" cy="488378"/>
           </a:xfrm>
           <a:prstGeom prst="line">
@@ -3606,7 +3746,7 @@
         </p:nvCxnSpPr>
         <p:spPr>
           <a:xfrm>
-            <a:off x="5305815" y="1188972"/>
+            <a:off x="5001003" y="1188972"/>
             <a:ext cx="0" cy="1024088"/>
           </a:xfrm>
           <a:prstGeom prst="line">
@@ -3690,7 +3830,7 @@
         </p:nvGrpSpPr>
         <p:grpSpPr>
           <a:xfrm>
-            <a:off x="4995723" y="443086"/>
+            <a:off x="4690911" y="443086"/>
             <a:ext cx="886282" cy="1019786"/>
             <a:chOff x="6212866" y="370313"/>
             <a:chExt cx="1051271" cy="1209628"/>
@@ -3772,825 +3912,13 @@
       </p:grpSp>
       <p:grpSp>
         <p:nvGrpSpPr>
-          <p:cNvPr id="14" name="그룹 13"/>
+          <p:cNvPr id="44" name="그룹 43"/>
           <p:cNvGrpSpPr/>
           <p:nvPr/>
         </p:nvGrpSpPr>
         <p:grpSpPr>
           <a:xfrm>
-            <a:off x="6122578" y="2020591"/>
-            <a:ext cx="900724" cy="976313"/>
-            <a:chOff x="6212866" y="370313"/>
-            <a:chExt cx="1068401" cy="1158062"/>
-          </a:xfrm>
-        </p:grpSpPr>
-        <p:pic>
-          <p:nvPicPr>
-            <p:cNvPr id="15" name="그림 14"/>
-            <p:cNvPicPr>
-              <a:picLocks noChangeAspect="1"/>
-            </p:cNvPicPr>
-            <p:nvPr/>
-          </p:nvPicPr>
-          <p:blipFill>
-            <a:blip r:embed="rId2" cstate="print">
-              <a:extLst>
-                <a:ext uri="{28A0092B-C50C-407E-A947-70E740481C1C}">
-                  <a14:useLocalDpi xmlns:a14="http://schemas.microsoft.com/office/drawing/2010/main" val="0"/>
-                </a:ext>
-              </a:extLst>
-            </a:blip>
-            <a:stretch>
-              <a:fillRect/>
-            </a:stretch>
-          </p:blipFill>
-          <p:spPr>
-            <a:xfrm>
-              <a:off x="6212866" y="370313"/>
-              <a:ext cx="976313" cy="976313"/>
-            </a:xfrm>
-            <a:prstGeom prst="rect">
-              <a:avLst/>
-            </a:prstGeom>
-          </p:spPr>
-        </p:pic>
-        <p:sp>
-          <p:nvSpPr>
-            <p:cNvPr id="16" name="직사각형 15"/>
-            <p:cNvSpPr/>
-            <p:nvPr/>
-          </p:nvSpPr>
-          <p:spPr>
-            <a:xfrm>
-              <a:off x="6505092" y="1251376"/>
-              <a:ext cx="776175" cy="276999"/>
-            </a:xfrm>
-            <a:prstGeom prst="rect">
-              <a:avLst/>
-            </a:prstGeom>
-            <a:solidFill>
-              <a:schemeClr val="tx1">
-                <a:lumMod val="75000"/>
-                <a:lumOff val="25000"/>
-              </a:schemeClr>
-            </a:solidFill>
-          </p:spPr>
-          <p:txBody>
-            <a:bodyPr wrap="none">
-              <a:spAutoFit/>
-            </a:bodyPr>
-            <a:lstStyle/>
-            <a:p>
-              <a:r>
-                <a:rPr lang="ko-KR" altLang="en-US" sz="1200" dirty="0" smtClean="0">
-                  <a:solidFill>
-                    <a:schemeClr val="bg1">
-                      <a:lumMod val="95000"/>
-                    </a:schemeClr>
-                  </a:solidFill>
-                  <a:latin typeface="a옛날목욕탕L" panose="02020600000000000000" pitchFamily="18" charset="-127"/>
-                  <a:ea typeface="a옛날목욕탕L" panose="02020600000000000000" pitchFamily="18" charset="-127"/>
-                </a:rPr>
-                <a:t>맞춤 </a:t>
-              </a:r>
-              <a:r>
-                <a:rPr lang="ko-KR" altLang="en-US" sz="1200" dirty="0" err="1" smtClean="0">
-                  <a:solidFill>
-                    <a:schemeClr val="bg1">
-                      <a:lumMod val="95000"/>
-                    </a:schemeClr>
-                  </a:solidFill>
-                  <a:latin typeface="a옛날목욕탕L" panose="02020600000000000000" pitchFamily="18" charset="-127"/>
-                  <a:ea typeface="a옛날목욕탕L" panose="02020600000000000000" pitchFamily="18" charset="-127"/>
-                </a:rPr>
-                <a:t>펜션</a:t>
-              </a:r>
-              <a:endParaRPr lang="ko-KR" altLang="en-US" sz="1200" dirty="0"/>
-            </a:p>
-          </p:txBody>
-        </p:sp>
-      </p:grpSp>
-      <p:grpSp>
-        <p:nvGrpSpPr>
-          <p:cNvPr id="17" name="그룹 16"/>
-          <p:cNvGrpSpPr/>
-          <p:nvPr/>
-        </p:nvGrpSpPr>
-        <p:grpSpPr>
-          <a:xfrm>
-            <a:off x="7198419" y="2020591"/>
-            <a:ext cx="1014243" cy="976313"/>
-            <a:chOff x="6212866" y="370313"/>
-            <a:chExt cx="1203053" cy="1158062"/>
-          </a:xfrm>
-        </p:grpSpPr>
-        <p:pic>
-          <p:nvPicPr>
-            <p:cNvPr id="18" name="그림 17"/>
-            <p:cNvPicPr>
-              <a:picLocks noChangeAspect="1"/>
-            </p:cNvPicPr>
-            <p:nvPr/>
-          </p:nvPicPr>
-          <p:blipFill>
-            <a:blip r:embed="rId2" cstate="print">
-              <a:extLst>
-                <a:ext uri="{28A0092B-C50C-407E-A947-70E740481C1C}">
-                  <a14:useLocalDpi xmlns:a14="http://schemas.microsoft.com/office/drawing/2010/main" val="0"/>
-                </a:ext>
-              </a:extLst>
-            </a:blip>
-            <a:stretch>
-              <a:fillRect/>
-            </a:stretch>
-          </p:blipFill>
-          <p:spPr>
-            <a:xfrm>
-              <a:off x="6212866" y="370313"/>
-              <a:ext cx="976313" cy="976313"/>
-            </a:xfrm>
-            <a:prstGeom prst="rect">
-              <a:avLst/>
-            </a:prstGeom>
-          </p:spPr>
-        </p:pic>
-        <p:sp>
-          <p:nvSpPr>
-            <p:cNvPr id="19" name="직사각형 18"/>
-            <p:cNvSpPr/>
-            <p:nvPr/>
-          </p:nvSpPr>
-          <p:spPr>
-            <a:xfrm>
-              <a:off x="6505092" y="1251376"/>
-              <a:ext cx="910827" cy="276999"/>
-            </a:xfrm>
-            <a:prstGeom prst="rect">
-              <a:avLst/>
-            </a:prstGeom>
-            <a:solidFill>
-              <a:schemeClr val="tx1">
-                <a:lumMod val="75000"/>
-                <a:lumOff val="25000"/>
-              </a:schemeClr>
-            </a:solidFill>
-          </p:spPr>
-          <p:txBody>
-            <a:bodyPr wrap="none">
-              <a:spAutoFit/>
-            </a:bodyPr>
-            <a:lstStyle/>
-            <a:p>
-              <a:r>
-                <a:rPr lang="ko-KR" altLang="en-US" sz="1200" dirty="0" err="1" smtClean="0">
-                  <a:solidFill>
-                    <a:schemeClr val="bg1">
-                      <a:lumMod val="95000"/>
-                    </a:schemeClr>
-                  </a:solidFill>
-                  <a:latin typeface="a옛날목욕탕L" panose="02020600000000000000" pitchFamily="18" charset="-127"/>
-                  <a:ea typeface="a옛날목욕탕L" panose="02020600000000000000" pitchFamily="18" charset="-127"/>
-                </a:rPr>
-                <a:t>위치별</a:t>
-              </a:r>
-              <a:r>
-                <a:rPr lang="ko-KR" altLang="en-US" sz="1200" dirty="0" smtClean="0">
-                  <a:solidFill>
-                    <a:schemeClr val="bg1">
-                      <a:lumMod val="95000"/>
-                    </a:schemeClr>
-                  </a:solidFill>
-                  <a:latin typeface="a옛날목욕탕L" panose="02020600000000000000" pitchFamily="18" charset="-127"/>
-                  <a:ea typeface="a옛날목욕탕L" panose="02020600000000000000" pitchFamily="18" charset="-127"/>
-                </a:rPr>
-                <a:t> </a:t>
-              </a:r>
-              <a:r>
-                <a:rPr lang="ko-KR" altLang="en-US" sz="1200" dirty="0" err="1" smtClean="0">
-                  <a:solidFill>
-                    <a:schemeClr val="bg1">
-                      <a:lumMod val="95000"/>
-                    </a:schemeClr>
-                  </a:solidFill>
-                  <a:latin typeface="a옛날목욕탕L" panose="02020600000000000000" pitchFamily="18" charset="-127"/>
-                  <a:ea typeface="a옛날목욕탕L" panose="02020600000000000000" pitchFamily="18" charset="-127"/>
-                </a:rPr>
-                <a:t>펜션</a:t>
-              </a:r>
-              <a:endParaRPr lang="ko-KR" altLang="en-US" sz="1200" dirty="0"/>
-            </a:p>
-          </p:txBody>
-        </p:sp>
-      </p:grpSp>
-      <p:grpSp>
-        <p:nvGrpSpPr>
-          <p:cNvPr id="20" name="그룹 19"/>
-          <p:cNvGrpSpPr/>
-          <p:nvPr/>
-        </p:nvGrpSpPr>
-        <p:grpSpPr>
-          <a:xfrm>
-            <a:off x="2837167" y="2020591"/>
-            <a:ext cx="900724" cy="976313"/>
-            <a:chOff x="6212866" y="370313"/>
-            <a:chExt cx="1068401" cy="1158062"/>
-          </a:xfrm>
-        </p:grpSpPr>
-        <p:pic>
-          <p:nvPicPr>
-            <p:cNvPr id="21" name="그림 20"/>
-            <p:cNvPicPr>
-              <a:picLocks noChangeAspect="1"/>
-            </p:cNvPicPr>
-            <p:nvPr/>
-          </p:nvPicPr>
-          <p:blipFill>
-            <a:blip r:embed="rId2" cstate="print">
-              <a:extLst>
-                <a:ext uri="{28A0092B-C50C-407E-A947-70E740481C1C}">
-                  <a14:useLocalDpi xmlns:a14="http://schemas.microsoft.com/office/drawing/2010/main" val="0"/>
-                </a:ext>
-              </a:extLst>
-            </a:blip>
-            <a:stretch>
-              <a:fillRect/>
-            </a:stretch>
-          </p:blipFill>
-          <p:spPr>
-            <a:xfrm>
-              <a:off x="6212866" y="370313"/>
-              <a:ext cx="976313" cy="976313"/>
-            </a:xfrm>
-            <a:prstGeom prst="rect">
-              <a:avLst/>
-            </a:prstGeom>
-          </p:spPr>
-        </p:pic>
-        <p:sp>
-          <p:nvSpPr>
-            <p:cNvPr id="22" name="직사각형 21"/>
-            <p:cNvSpPr/>
-            <p:nvPr/>
-          </p:nvSpPr>
-          <p:spPr>
-            <a:xfrm>
-              <a:off x="6505092" y="1251376"/>
-              <a:ext cx="776175" cy="276999"/>
-            </a:xfrm>
-            <a:prstGeom prst="rect">
-              <a:avLst/>
-            </a:prstGeom>
-            <a:solidFill>
-              <a:schemeClr val="tx1">
-                <a:lumMod val="75000"/>
-                <a:lumOff val="25000"/>
-              </a:schemeClr>
-            </a:solidFill>
-          </p:spPr>
-          <p:txBody>
-            <a:bodyPr wrap="none">
-              <a:spAutoFit/>
-            </a:bodyPr>
-            <a:lstStyle/>
-            <a:p>
-              <a:r>
-                <a:rPr lang="ko-KR" altLang="en-US" sz="1200" dirty="0" smtClean="0">
-                  <a:solidFill>
-                    <a:schemeClr val="bg1">
-                      <a:lumMod val="95000"/>
-                    </a:schemeClr>
-                  </a:solidFill>
-                  <a:latin typeface="a옛날목욕탕L" panose="02020600000000000000" pitchFamily="18" charset="-127"/>
-                  <a:ea typeface="a옛날목욕탕L" panose="02020600000000000000" pitchFamily="18" charset="-127"/>
-                </a:rPr>
-                <a:t>지역</a:t>
-              </a:r>
-              <a:r>
-                <a:rPr lang="en-US" altLang="ko-KR" sz="1200" dirty="0" smtClean="0">
-                  <a:solidFill>
-                    <a:schemeClr val="bg1">
-                      <a:lumMod val="95000"/>
-                    </a:schemeClr>
-                  </a:solidFill>
-                  <a:latin typeface="a옛날목욕탕L" panose="02020600000000000000" pitchFamily="18" charset="-127"/>
-                  <a:ea typeface="a옛날목욕탕L" panose="02020600000000000000" pitchFamily="18" charset="-127"/>
-                </a:rPr>
-                <a:t> </a:t>
-              </a:r>
-              <a:r>
-                <a:rPr lang="ko-KR" altLang="en-US" sz="1200" dirty="0" err="1" smtClean="0">
-                  <a:solidFill>
-                    <a:schemeClr val="bg1">
-                      <a:lumMod val="95000"/>
-                    </a:schemeClr>
-                  </a:solidFill>
-                  <a:latin typeface="a옛날목욕탕L" panose="02020600000000000000" pitchFamily="18" charset="-127"/>
-                  <a:ea typeface="a옛날목욕탕L" panose="02020600000000000000" pitchFamily="18" charset="-127"/>
-                </a:rPr>
-                <a:t>펜션</a:t>
-              </a:r>
-              <a:endParaRPr lang="ko-KR" altLang="en-US" sz="1200" dirty="0"/>
-            </a:p>
-          </p:txBody>
-        </p:sp>
-      </p:grpSp>
-      <p:grpSp>
-        <p:nvGrpSpPr>
-          <p:cNvPr id="26" name="그룹 25"/>
-          <p:cNvGrpSpPr/>
-          <p:nvPr/>
-        </p:nvGrpSpPr>
-        <p:grpSpPr>
-          <a:xfrm>
-            <a:off x="3850596" y="2020591"/>
-            <a:ext cx="1023702" cy="976313"/>
-            <a:chOff x="6212866" y="370313"/>
-            <a:chExt cx="1214273" cy="1158062"/>
-          </a:xfrm>
-        </p:grpSpPr>
-        <p:pic>
-          <p:nvPicPr>
-            <p:cNvPr id="27" name="그림 26"/>
-            <p:cNvPicPr>
-              <a:picLocks noChangeAspect="1"/>
-            </p:cNvPicPr>
-            <p:nvPr/>
-          </p:nvPicPr>
-          <p:blipFill>
-            <a:blip r:embed="rId2" cstate="print">
-              <a:extLst>
-                <a:ext uri="{28A0092B-C50C-407E-A947-70E740481C1C}">
-                  <a14:useLocalDpi xmlns:a14="http://schemas.microsoft.com/office/drawing/2010/main" val="0"/>
-                </a:ext>
-              </a:extLst>
-            </a:blip>
-            <a:stretch>
-              <a:fillRect/>
-            </a:stretch>
-          </p:blipFill>
-          <p:spPr>
-            <a:xfrm>
-              <a:off x="6212866" y="370313"/>
-              <a:ext cx="976313" cy="976313"/>
-            </a:xfrm>
-            <a:prstGeom prst="rect">
-              <a:avLst/>
-            </a:prstGeom>
-          </p:spPr>
-        </p:pic>
-        <p:sp>
-          <p:nvSpPr>
-            <p:cNvPr id="28" name="직사각형 27"/>
-            <p:cNvSpPr/>
-            <p:nvPr/>
-          </p:nvSpPr>
-          <p:spPr>
-            <a:xfrm>
-              <a:off x="6505092" y="1251376"/>
-              <a:ext cx="922047" cy="276999"/>
-            </a:xfrm>
-            <a:prstGeom prst="rect">
-              <a:avLst/>
-            </a:prstGeom>
-            <a:solidFill>
-              <a:schemeClr val="tx1">
-                <a:lumMod val="75000"/>
-                <a:lumOff val="25000"/>
-              </a:schemeClr>
-            </a:solidFill>
-          </p:spPr>
-          <p:txBody>
-            <a:bodyPr wrap="none">
-              <a:spAutoFit/>
-            </a:bodyPr>
-            <a:lstStyle/>
-            <a:p>
-              <a:r>
-                <a:rPr lang="ko-KR" altLang="en-US" sz="1200" dirty="0" err="1" smtClean="0">
-                  <a:solidFill>
-                    <a:schemeClr val="bg1">
-                      <a:lumMod val="95000"/>
-                    </a:schemeClr>
-                  </a:solidFill>
-                  <a:latin typeface="a옛날목욕탕L" panose="02020600000000000000" pitchFamily="18" charset="-127"/>
-                  <a:ea typeface="a옛날목욕탕L" panose="02020600000000000000" pitchFamily="18" charset="-127"/>
-                </a:rPr>
-                <a:t>땡처리</a:t>
-              </a:r>
-              <a:r>
-                <a:rPr lang="en-US" altLang="ko-KR" sz="1200" dirty="0" smtClean="0">
-                  <a:solidFill>
-                    <a:schemeClr val="bg1">
-                      <a:lumMod val="95000"/>
-                    </a:schemeClr>
-                  </a:solidFill>
-                  <a:latin typeface="a옛날목욕탕L" panose="02020600000000000000" pitchFamily="18" charset="-127"/>
-                  <a:ea typeface="a옛날목욕탕L" panose="02020600000000000000" pitchFamily="18" charset="-127"/>
-                </a:rPr>
-                <a:t> </a:t>
-              </a:r>
-              <a:r>
-                <a:rPr lang="ko-KR" altLang="en-US" sz="1200" dirty="0" err="1" smtClean="0">
-                  <a:solidFill>
-                    <a:schemeClr val="bg1">
-                      <a:lumMod val="95000"/>
-                    </a:schemeClr>
-                  </a:solidFill>
-                  <a:latin typeface="a옛날목욕탕L" panose="02020600000000000000" pitchFamily="18" charset="-127"/>
-                  <a:ea typeface="a옛날목욕탕L" panose="02020600000000000000" pitchFamily="18" charset="-127"/>
-                </a:rPr>
-                <a:t>펜션</a:t>
-              </a:r>
-              <a:endParaRPr lang="ko-KR" altLang="en-US" sz="1200" dirty="0"/>
-            </a:p>
-          </p:txBody>
-        </p:sp>
-      </p:grpSp>
-      <p:grpSp>
-        <p:nvGrpSpPr>
-          <p:cNvPr id="29" name="그룹 28"/>
-          <p:cNvGrpSpPr/>
-          <p:nvPr/>
-        </p:nvGrpSpPr>
-        <p:grpSpPr>
-          <a:xfrm>
-            <a:off x="4995723" y="2020178"/>
-            <a:ext cx="1016946" cy="976313"/>
-            <a:chOff x="6212866" y="370313"/>
-            <a:chExt cx="1206259" cy="1158062"/>
-          </a:xfrm>
-        </p:grpSpPr>
-        <p:pic>
-          <p:nvPicPr>
-            <p:cNvPr id="30" name="그림 29"/>
-            <p:cNvPicPr>
-              <a:picLocks noChangeAspect="1"/>
-            </p:cNvPicPr>
-            <p:nvPr/>
-          </p:nvPicPr>
-          <p:blipFill>
-            <a:blip r:embed="rId2" cstate="print">
-              <a:extLst>
-                <a:ext uri="{28A0092B-C50C-407E-A947-70E740481C1C}">
-                  <a14:useLocalDpi xmlns:a14="http://schemas.microsoft.com/office/drawing/2010/main" val="0"/>
-                </a:ext>
-              </a:extLst>
-            </a:blip>
-            <a:stretch>
-              <a:fillRect/>
-            </a:stretch>
-          </p:blipFill>
-          <p:spPr>
-            <a:xfrm>
-              <a:off x="6212866" y="370313"/>
-              <a:ext cx="976313" cy="976313"/>
-            </a:xfrm>
-            <a:prstGeom prst="rect">
-              <a:avLst/>
-            </a:prstGeom>
-          </p:spPr>
-        </p:pic>
-        <p:sp>
-          <p:nvSpPr>
-            <p:cNvPr id="31" name="직사각형 30"/>
-            <p:cNvSpPr/>
-            <p:nvPr/>
-          </p:nvSpPr>
-          <p:spPr>
-            <a:xfrm>
-              <a:off x="6505092" y="1251376"/>
-              <a:ext cx="914033" cy="276999"/>
-            </a:xfrm>
-            <a:prstGeom prst="rect">
-              <a:avLst/>
-            </a:prstGeom>
-            <a:solidFill>
-              <a:schemeClr val="tx1">
-                <a:lumMod val="75000"/>
-                <a:lumOff val="25000"/>
-              </a:schemeClr>
-            </a:solidFill>
-          </p:spPr>
-          <p:txBody>
-            <a:bodyPr wrap="none">
-              <a:spAutoFit/>
-            </a:bodyPr>
-            <a:lstStyle/>
-            <a:p>
-              <a:r>
-                <a:rPr lang="ko-KR" altLang="en-US" sz="1200" dirty="0" err="1" smtClean="0">
-                  <a:solidFill>
-                    <a:schemeClr val="bg1">
-                      <a:lumMod val="95000"/>
-                    </a:schemeClr>
-                  </a:solidFill>
-                  <a:latin typeface="a옛날목욕탕L" panose="02020600000000000000" pitchFamily="18" charset="-127"/>
-                  <a:ea typeface="a옛날목욕탕L" panose="02020600000000000000" pitchFamily="18" charset="-127"/>
-                </a:rPr>
-                <a:t>워크샵</a:t>
-              </a:r>
-              <a:r>
-                <a:rPr lang="en-US" altLang="ko-KR" sz="1200" dirty="0" smtClean="0">
-                  <a:solidFill>
-                    <a:schemeClr val="bg1">
-                      <a:lumMod val="95000"/>
-                    </a:schemeClr>
-                  </a:solidFill>
-                  <a:latin typeface="a옛날목욕탕L" panose="02020600000000000000" pitchFamily="18" charset="-127"/>
-                  <a:ea typeface="a옛날목욕탕L" panose="02020600000000000000" pitchFamily="18" charset="-127"/>
-                </a:rPr>
-                <a:t> </a:t>
-              </a:r>
-              <a:r>
-                <a:rPr lang="ko-KR" altLang="en-US" sz="1200" dirty="0" err="1" smtClean="0">
-                  <a:solidFill>
-                    <a:schemeClr val="bg1">
-                      <a:lumMod val="95000"/>
-                    </a:schemeClr>
-                  </a:solidFill>
-                  <a:latin typeface="a옛날목욕탕L" panose="02020600000000000000" pitchFamily="18" charset="-127"/>
-                  <a:ea typeface="a옛날목욕탕L" panose="02020600000000000000" pitchFamily="18" charset="-127"/>
-                </a:rPr>
-                <a:t>펜션</a:t>
-              </a:r>
-              <a:endParaRPr lang="ko-KR" altLang="en-US" sz="1200" dirty="0"/>
-            </a:p>
-          </p:txBody>
-        </p:sp>
-      </p:grpSp>
-      <p:grpSp>
-        <p:nvGrpSpPr>
-          <p:cNvPr id="32" name="그룹 31"/>
-          <p:cNvGrpSpPr/>
-          <p:nvPr/>
-        </p:nvGrpSpPr>
-        <p:grpSpPr>
-          <a:xfrm>
-            <a:off x="4995871" y="3648075"/>
-            <a:ext cx="908832" cy="976313"/>
-            <a:chOff x="6212866" y="370313"/>
-            <a:chExt cx="1078019" cy="1158062"/>
-          </a:xfrm>
-        </p:grpSpPr>
-        <p:pic>
-          <p:nvPicPr>
-            <p:cNvPr id="33" name="그림 32"/>
-            <p:cNvPicPr>
-              <a:picLocks noChangeAspect="1"/>
-            </p:cNvPicPr>
-            <p:nvPr/>
-          </p:nvPicPr>
-          <p:blipFill>
-            <a:blip r:embed="rId2" cstate="print">
-              <a:extLst>
-                <a:ext uri="{28A0092B-C50C-407E-A947-70E740481C1C}">
-                  <a14:useLocalDpi xmlns:a14="http://schemas.microsoft.com/office/drawing/2010/main" val="0"/>
-                </a:ext>
-              </a:extLst>
-            </a:blip>
-            <a:stretch>
-              <a:fillRect/>
-            </a:stretch>
-          </p:blipFill>
-          <p:spPr>
-            <a:xfrm>
-              <a:off x="6212866" y="370313"/>
-              <a:ext cx="976313" cy="976313"/>
-            </a:xfrm>
-            <a:prstGeom prst="rect">
-              <a:avLst/>
-            </a:prstGeom>
-          </p:spPr>
-        </p:pic>
-        <p:sp>
-          <p:nvSpPr>
-            <p:cNvPr id="34" name="직사각형 33"/>
-            <p:cNvSpPr/>
-            <p:nvPr/>
-          </p:nvSpPr>
-          <p:spPr>
-            <a:xfrm>
-              <a:off x="6505092" y="1251376"/>
-              <a:ext cx="785793" cy="276999"/>
-            </a:xfrm>
-            <a:prstGeom prst="rect">
-              <a:avLst/>
-            </a:prstGeom>
-            <a:solidFill>
-              <a:schemeClr val="tx1">
-                <a:lumMod val="75000"/>
-                <a:lumOff val="25000"/>
-              </a:schemeClr>
-            </a:solidFill>
-          </p:spPr>
-          <p:txBody>
-            <a:bodyPr wrap="none">
-              <a:spAutoFit/>
-            </a:bodyPr>
-            <a:lstStyle/>
-            <a:p>
-              <a:r>
-                <a:rPr lang="ko-KR" altLang="en-US" sz="1200" dirty="0" smtClean="0">
-                  <a:solidFill>
-                    <a:schemeClr val="bg1">
-                      <a:lumMod val="95000"/>
-                    </a:schemeClr>
-                  </a:solidFill>
-                  <a:latin typeface="a옛날목욕탕L" panose="02020600000000000000" pitchFamily="18" charset="-127"/>
-                  <a:ea typeface="a옛날목욕탕L" panose="02020600000000000000" pitchFamily="18" charset="-127"/>
-                </a:rPr>
-                <a:t>검색 결과</a:t>
-              </a:r>
-              <a:endParaRPr lang="ko-KR" altLang="en-US" sz="1200" dirty="0"/>
-            </a:p>
-          </p:txBody>
-        </p:sp>
-      </p:grpSp>
-      <p:grpSp>
-        <p:nvGrpSpPr>
-          <p:cNvPr id="35" name="그룹 34"/>
-          <p:cNvGrpSpPr/>
-          <p:nvPr/>
-        </p:nvGrpSpPr>
-        <p:grpSpPr>
-          <a:xfrm>
-            <a:off x="7315311" y="5340034"/>
-            <a:ext cx="823088" cy="976313"/>
-            <a:chOff x="6212866" y="370313"/>
-            <a:chExt cx="976313" cy="1158062"/>
-          </a:xfrm>
-        </p:grpSpPr>
-        <p:pic>
-          <p:nvPicPr>
-            <p:cNvPr id="36" name="그림 35"/>
-            <p:cNvPicPr>
-              <a:picLocks noChangeAspect="1"/>
-            </p:cNvPicPr>
-            <p:nvPr/>
-          </p:nvPicPr>
-          <p:blipFill>
-            <a:blip r:embed="rId2" cstate="print">
-              <a:extLst>
-                <a:ext uri="{28A0092B-C50C-407E-A947-70E740481C1C}">
-                  <a14:useLocalDpi xmlns:a14="http://schemas.microsoft.com/office/drawing/2010/main" val="0"/>
-                </a:ext>
-              </a:extLst>
-            </a:blip>
-            <a:stretch>
-              <a:fillRect/>
-            </a:stretch>
-          </p:blipFill>
-          <p:spPr>
-            <a:xfrm>
-              <a:off x="6212866" y="370313"/>
-              <a:ext cx="976313" cy="976313"/>
-            </a:xfrm>
-            <a:prstGeom prst="rect">
-              <a:avLst/>
-            </a:prstGeom>
-          </p:spPr>
-        </p:pic>
-        <p:sp>
-          <p:nvSpPr>
-            <p:cNvPr id="37" name="직사각형 36"/>
-            <p:cNvSpPr/>
-            <p:nvPr/>
-          </p:nvSpPr>
-          <p:spPr>
-            <a:xfrm>
-              <a:off x="6505092" y="1251376"/>
-              <a:ext cx="458780" cy="276999"/>
-            </a:xfrm>
-            <a:prstGeom prst="rect">
-              <a:avLst/>
-            </a:prstGeom>
-            <a:solidFill>
-              <a:schemeClr val="tx1">
-                <a:lumMod val="75000"/>
-                <a:lumOff val="25000"/>
-              </a:schemeClr>
-            </a:solidFill>
-          </p:spPr>
-          <p:txBody>
-            <a:bodyPr wrap="none">
-              <a:spAutoFit/>
-            </a:bodyPr>
-            <a:lstStyle/>
-            <a:p>
-              <a:r>
-                <a:rPr lang="ko-KR" altLang="en-US" sz="1200" dirty="0" smtClean="0">
-                  <a:solidFill>
-                    <a:schemeClr val="bg1">
-                      <a:lumMod val="95000"/>
-                    </a:schemeClr>
-                  </a:solidFill>
-                  <a:latin typeface="a옛날목욕탕L" panose="02020600000000000000" pitchFamily="18" charset="-127"/>
-                  <a:ea typeface="a옛날목욕탕L" panose="02020600000000000000" pitchFamily="18" charset="-127"/>
-                </a:rPr>
-                <a:t>결제</a:t>
-              </a:r>
-              <a:endParaRPr lang="ko-KR" altLang="en-US" sz="1200" dirty="0"/>
-            </a:p>
-          </p:txBody>
-        </p:sp>
-      </p:grpSp>
-      <p:grpSp>
-        <p:nvGrpSpPr>
-          <p:cNvPr id="38" name="그룹 37"/>
-          <p:cNvGrpSpPr/>
-          <p:nvPr/>
-        </p:nvGrpSpPr>
-        <p:grpSpPr>
-          <a:xfrm>
-            <a:off x="5011111" y="5340034"/>
-            <a:ext cx="910183" cy="976313"/>
-            <a:chOff x="6212866" y="370313"/>
-            <a:chExt cx="1079621" cy="1158062"/>
-          </a:xfrm>
-        </p:grpSpPr>
-        <p:pic>
-          <p:nvPicPr>
-            <p:cNvPr id="39" name="그림 38"/>
-            <p:cNvPicPr>
-              <a:picLocks noChangeAspect="1"/>
-            </p:cNvPicPr>
-            <p:nvPr/>
-          </p:nvPicPr>
-          <p:blipFill>
-            <a:blip r:embed="rId2" cstate="print">
-              <a:extLst>
-                <a:ext uri="{28A0092B-C50C-407E-A947-70E740481C1C}">
-                  <a14:useLocalDpi xmlns:a14="http://schemas.microsoft.com/office/drawing/2010/main" val="0"/>
-                </a:ext>
-              </a:extLst>
-            </a:blip>
-            <a:stretch>
-              <a:fillRect/>
-            </a:stretch>
-          </p:blipFill>
-          <p:spPr>
-            <a:xfrm>
-              <a:off x="6212866" y="370313"/>
-              <a:ext cx="976313" cy="976313"/>
-            </a:xfrm>
-            <a:prstGeom prst="rect">
-              <a:avLst/>
-            </a:prstGeom>
-          </p:spPr>
-        </p:pic>
-        <p:sp>
-          <p:nvSpPr>
-            <p:cNvPr id="40" name="직사각형 39"/>
-            <p:cNvSpPr/>
-            <p:nvPr/>
-          </p:nvSpPr>
-          <p:spPr>
-            <a:xfrm>
-              <a:off x="6505092" y="1251376"/>
-              <a:ext cx="787395" cy="276999"/>
-            </a:xfrm>
-            <a:prstGeom prst="rect">
-              <a:avLst/>
-            </a:prstGeom>
-            <a:solidFill>
-              <a:schemeClr val="tx1">
-                <a:lumMod val="75000"/>
-                <a:lumOff val="25000"/>
-              </a:schemeClr>
-            </a:solidFill>
-          </p:spPr>
-          <p:txBody>
-            <a:bodyPr wrap="none">
-              <a:spAutoFit/>
-            </a:bodyPr>
-            <a:lstStyle/>
-            <a:p>
-              <a:r>
-                <a:rPr lang="ko-KR" altLang="en-US" sz="1200" dirty="0" smtClean="0">
-                  <a:solidFill>
-                    <a:schemeClr val="bg1">
-                      <a:lumMod val="95000"/>
-                    </a:schemeClr>
-                  </a:solidFill>
-                  <a:latin typeface="a옛날목욕탕L" panose="02020600000000000000" pitchFamily="18" charset="-127"/>
-                  <a:ea typeface="a옛날목욕탕L" panose="02020600000000000000" pitchFamily="18" charset="-127"/>
-                </a:rPr>
-                <a:t>상세 내역</a:t>
-              </a:r>
-              <a:endParaRPr lang="ko-KR" altLang="en-US" sz="1200" dirty="0"/>
-            </a:p>
-          </p:txBody>
-        </p:sp>
-      </p:grpSp>
-      <p:grpSp>
-        <p:nvGrpSpPr>
-          <p:cNvPr id="44" name="그룹 43"/>
-          <p:cNvGrpSpPr/>
-          <p:nvPr/>
-        </p:nvGrpSpPr>
-        <p:grpSpPr>
-          <a:xfrm>
-            <a:off x="8432227" y="1801516"/>
+            <a:off x="8866132" y="3934203"/>
             <a:ext cx="1283826" cy="1204452"/>
             <a:chOff x="6212866" y="370313"/>
             <a:chExt cx="1522823" cy="1428671"/>
@@ -4736,9 +4064,9 @@
           <p:nvPr/>
         </p:nvCxnSpPr>
         <p:spPr>
-          <a:xfrm flipV="1">
-            <a:off x="5767826" y="857730"/>
-            <a:ext cx="5420083" cy="1"/>
+          <a:xfrm>
+            <a:off x="5453489" y="857732"/>
+            <a:ext cx="5759303" cy="0"/>
           </a:xfrm>
           <a:prstGeom prst="line">
             <a:avLst/>
@@ -4772,10 +4100,10 @@
         </p:nvGrpSpPr>
         <p:grpSpPr>
           <a:xfrm>
-            <a:off x="9816243" y="1732958"/>
-            <a:ext cx="823087" cy="1019786"/>
+            <a:off x="8742294" y="1224949"/>
+            <a:ext cx="865059" cy="1019786"/>
             <a:chOff x="6212866" y="370313"/>
-            <a:chExt cx="976313" cy="1209628"/>
+            <a:chExt cx="1026099" cy="1209628"/>
           </a:xfrm>
         </p:grpSpPr>
         <p:pic>
@@ -4817,7 +4145,7 @@
           <p:spPr>
             <a:xfrm>
               <a:off x="6505092" y="1251376"/>
-              <a:ext cx="675384" cy="328565"/>
+              <a:ext cx="733873" cy="328565"/>
             </a:xfrm>
             <a:prstGeom prst="rect">
               <a:avLst/>
@@ -4836,7 +4164,7 @@
             <a:lstStyle/>
             <a:p>
               <a:r>
-                <a:rPr lang="ko-KR" altLang="en-US" sz="1200" dirty="0" smtClean="0">
+                <a:rPr lang="en-US" altLang="ko-KR" sz="1200" dirty="0" smtClean="0">
                   <a:solidFill>
                     <a:schemeClr val="bg1">
                       <a:lumMod val="95000"/>
@@ -4845,7 +4173,7 @@
                   <a:latin typeface="a옛날목욕탕L" panose="02020600000000000000" pitchFamily="18" charset="-127"/>
                   <a:ea typeface="a옛날목욕탕L" panose="02020600000000000000" pitchFamily="18" charset="-127"/>
                 </a:rPr>
-                <a:t>로그인</a:t>
+                <a:t>Login</a:t>
               </a:r>
               <a:endParaRPr lang="ko-KR" altLang="en-US" sz="1200" dirty="0"/>
             </a:p>
@@ -4900,15 +4228,6 @@
               </a:rPr>
               <a:t>Map</a:t>
             </a:r>
-            <a:endParaRPr lang="en-US" altLang="ko-KR" sz="4800" dirty="0" smtClean="0">
-              <a:solidFill>
-                <a:schemeClr val="bg1">
-                  <a:lumMod val="95000"/>
-                </a:schemeClr>
-              </a:solidFill>
-              <a:latin typeface="a옛날목욕탕L" panose="02020600000000000000" pitchFamily="18" charset="-127"/>
-              <a:ea typeface="a옛날목욕탕L" panose="02020600000000000000" pitchFamily="18" charset="-127"/>
-            </a:endParaRPr>
           </a:p>
         </p:txBody>
       </p:sp>
@@ -4920,10 +4239,10 @@
         </p:nvGrpSpPr>
         <p:grpSpPr>
           <a:xfrm>
-            <a:off x="10941546" y="1714522"/>
-            <a:ext cx="976050" cy="1019786"/>
+            <a:off x="9941082" y="2175121"/>
+            <a:ext cx="823088" cy="1019786"/>
             <a:chOff x="6212866" y="370313"/>
-            <a:chExt cx="1157750" cy="1209628"/>
+            <a:chExt cx="976313" cy="1209628"/>
           </a:xfrm>
         </p:grpSpPr>
         <p:pic>
@@ -4965,7 +4284,7 @@
           <p:spPr>
             <a:xfrm>
               <a:off x="6505092" y="1251376"/>
-              <a:ext cx="865524" cy="328565"/>
+              <a:ext cx="610735" cy="328565"/>
             </a:xfrm>
             <a:prstGeom prst="rect">
               <a:avLst/>
@@ -4984,7 +4303,7 @@
             <a:lstStyle/>
             <a:p>
               <a:r>
-                <a:rPr lang="ko-KR" altLang="en-US" sz="1200" dirty="0" smtClean="0">
+                <a:rPr lang="en-US" altLang="ko-KR" sz="1200" dirty="0" smtClean="0">
                   <a:solidFill>
                     <a:schemeClr val="bg1">
                       <a:lumMod val="95000"/>
@@ -4993,118 +4312,13 @@
                   <a:latin typeface="a옛날목욕탕L" panose="02020600000000000000" pitchFamily="18" charset="-127"/>
                   <a:ea typeface="a옛날목욕탕L" panose="02020600000000000000" pitchFamily="18" charset="-127"/>
                 </a:rPr>
-                <a:t>회원가입</a:t>
+                <a:t>Join</a:t>
               </a:r>
               <a:endParaRPr lang="ko-KR" altLang="en-US" sz="1200" dirty="0"/>
             </a:p>
           </p:txBody>
         </p:sp>
       </p:grpSp>
-      <p:cxnSp>
-        <p:nvCxnSpPr>
-          <p:cNvPr id="96" name="직선 연결선 95"/>
-          <p:cNvCxnSpPr/>
-          <p:nvPr/>
-        </p:nvCxnSpPr>
-        <p:spPr>
-          <a:xfrm>
-            <a:off x="10133683" y="857731"/>
-            <a:ext cx="0" cy="996469"/>
-          </a:xfrm>
-          <a:prstGeom prst="line">
-            <a:avLst/>
-          </a:prstGeom>
-          <a:ln w="38100">
-            <a:solidFill>
-              <a:srgbClr val="404040"/>
-            </a:solidFill>
-          </a:ln>
-        </p:spPr>
-        <p:style>
-          <a:lnRef idx="1">
-            <a:schemeClr val="accent1"/>
-          </a:lnRef>
-          <a:fillRef idx="0">
-            <a:schemeClr val="accent1"/>
-          </a:fillRef>
-          <a:effectRef idx="0">
-            <a:schemeClr val="accent1"/>
-          </a:effectRef>
-          <a:fontRef idx="minor">
-            <a:schemeClr val="tx1"/>
-          </a:fontRef>
-        </p:style>
-      </p:cxnSp>
-      <p:cxnSp>
-        <p:nvCxnSpPr>
-          <p:cNvPr id="98" name="직선 연결선 97"/>
-          <p:cNvCxnSpPr/>
-          <p:nvPr/>
-        </p:nvCxnSpPr>
-        <p:spPr>
-          <a:xfrm>
-            <a:off x="11170975" y="854630"/>
-            <a:ext cx="0" cy="946886"/>
-          </a:xfrm>
-          <a:prstGeom prst="line">
-            <a:avLst/>
-          </a:prstGeom>
-          <a:ln w="38100">
-            <a:solidFill>
-              <a:srgbClr val="404040"/>
-            </a:solidFill>
-          </a:ln>
-        </p:spPr>
-        <p:style>
-          <a:lnRef idx="1">
-            <a:schemeClr val="accent1"/>
-          </a:lnRef>
-          <a:fillRef idx="0">
-            <a:schemeClr val="accent1"/>
-          </a:fillRef>
-          <a:effectRef idx="0">
-            <a:schemeClr val="accent1"/>
-          </a:effectRef>
-          <a:fontRef idx="minor">
-            <a:schemeClr val="tx1"/>
-          </a:fontRef>
-        </p:style>
-      </p:cxnSp>
-      <p:cxnSp>
-        <p:nvCxnSpPr>
-          <p:cNvPr id="100" name="직선 연결선 99"/>
-          <p:cNvCxnSpPr/>
-          <p:nvPr/>
-        </p:nvCxnSpPr>
-        <p:spPr>
-          <a:xfrm flipH="1">
-            <a:off x="10547779" y="2223219"/>
-            <a:ext cx="560488" cy="0"/>
-          </a:xfrm>
-          <a:prstGeom prst="line">
-            <a:avLst/>
-          </a:prstGeom>
-          <a:ln w="38100">
-            <a:solidFill>
-              <a:srgbClr val="404040"/>
-            </a:solidFill>
-          </a:ln>
-        </p:spPr>
-        <p:style>
-          <a:lnRef idx="1">
-            <a:schemeClr val="accent1"/>
-          </a:lnRef>
-          <a:fillRef idx="0">
-            <a:schemeClr val="accent1"/>
-          </a:fillRef>
-          <a:effectRef idx="0">
-            <a:schemeClr val="accent1"/>
-          </a:effectRef>
-          <a:fontRef idx="minor">
-            <a:schemeClr val="tx1"/>
-          </a:fontRef>
-        </p:style>
-      </p:cxnSp>
       <p:sp>
         <p:nvSpPr>
           <p:cNvPr id="105" name="직사각형 104"/>
@@ -5113,8 +4327,8 @@
         </p:nvSpPr>
         <p:spPr>
           <a:xfrm>
-            <a:off x="8356603" y="1557596"/>
-            <a:ext cx="1427186" cy="1632479"/>
+            <a:off x="8791341" y="3815716"/>
+            <a:ext cx="1427186" cy="1398953"/>
           </a:xfrm>
           <a:prstGeom prst="rect">
             <a:avLst/>
@@ -5152,6 +4366,762 @@
           </a:p>
         </p:txBody>
       </p:sp>
+      <p:cxnSp>
+        <p:nvCxnSpPr>
+          <p:cNvPr id="80" name="직선 연결선 79"/>
+          <p:cNvCxnSpPr/>
+          <p:nvPr/>
+        </p:nvCxnSpPr>
+        <p:spPr>
+          <a:xfrm flipH="1">
+            <a:off x="5001003" y="4114584"/>
+            <a:ext cx="2256415" cy="0"/>
+          </a:xfrm>
+          <a:prstGeom prst="line">
+            <a:avLst/>
+          </a:prstGeom>
+          <a:ln w="38100">
+            <a:solidFill>
+              <a:srgbClr val="404040"/>
+            </a:solidFill>
+          </a:ln>
+        </p:spPr>
+        <p:style>
+          <a:lnRef idx="1">
+            <a:schemeClr val="accent1"/>
+          </a:lnRef>
+          <a:fillRef idx="0">
+            <a:schemeClr val="accent1"/>
+          </a:fillRef>
+          <a:effectRef idx="0">
+            <a:schemeClr val="accent1"/>
+          </a:effectRef>
+          <a:fontRef idx="minor">
+            <a:schemeClr val="tx1"/>
+          </a:fontRef>
+        </p:style>
+      </p:cxnSp>
+      <p:grpSp>
+        <p:nvGrpSpPr>
+          <p:cNvPr id="88" name="그룹 87"/>
+          <p:cNvGrpSpPr/>
+          <p:nvPr/>
+        </p:nvGrpSpPr>
+        <p:grpSpPr>
+          <a:xfrm>
+            <a:off x="5860074" y="5340034"/>
+            <a:ext cx="1275813" cy="1019786"/>
+            <a:chOff x="6212866" y="370313"/>
+            <a:chExt cx="1513318" cy="1209628"/>
+          </a:xfrm>
+        </p:grpSpPr>
+        <p:pic>
+          <p:nvPicPr>
+            <p:cNvPr id="93" name="그림 92"/>
+            <p:cNvPicPr>
+              <a:picLocks noChangeAspect="1"/>
+            </p:cNvPicPr>
+            <p:nvPr/>
+          </p:nvPicPr>
+          <p:blipFill>
+            <a:blip r:embed="rId2" cstate="print">
+              <a:extLst>
+                <a:ext uri="{28A0092B-C50C-407E-A947-70E740481C1C}">
+                  <a14:useLocalDpi xmlns:a14="http://schemas.microsoft.com/office/drawing/2010/main" val="0"/>
+                </a:ext>
+              </a:extLst>
+            </a:blip>
+            <a:stretch>
+              <a:fillRect/>
+            </a:stretch>
+          </p:blipFill>
+          <p:spPr>
+            <a:xfrm>
+              <a:off x="6212866" y="370313"/>
+              <a:ext cx="976313" cy="976313"/>
+            </a:xfrm>
+            <a:prstGeom prst="rect">
+              <a:avLst/>
+            </a:prstGeom>
+          </p:spPr>
+        </p:pic>
+        <p:sp>
+          <p:nvSpPr>
+            <p:cNvPr id="94" name="직사각형 93"/>
+            <p:cNvSpPr/>
+            <p:nvPr/>
+          </p:nvSpPr>
+          <p:spPr>
+            <a:xfrm>
+              <a:off x="6505093" y="1251376"/>
+              <a:ext cx="1221091" cy="328565"/>
+            </a:xfrm>
+            <a:prstGeom prst="rect">
+              <a:avLst/>
+            </a:prstGeom>
+            <a:solidFill>
+              <a:schemeClr val="tx1">
+                <a:lumMod val="75000"/>
+                <a:lumOff val="25000"/>
+              </a:schemeClr>
+            </a:solidFill>
+          </p:spPr>
+          <p:txBody>
+            <a:bodyPr wrap="none">
+              <a:spAutoFit/>
+            </a:bodyPr>
+            <a:lstStyle/>
+            <a:p>
+              <a:r>
+                <a:rPr lang="en-US" altLang="ko-KR" sz="1200" dirty="0" err="1" smtClean="0">
+                  <a:solidFill>
+                    <a:schemeClr val="bg1">
+                      <a:lumMod val="95000"/>
+                    </a:schemeClr>
+                  </a:solidFill>
+                  <a:latin typeface="a옛날목욕탕L" panose="02020600000000000000" pitchFamily="18" charset="-127"/>
+                  <a:ea typeface="a옛날목욕탕L" panose="02020600000000000000" pitchFamily="18" charset="-127"/>
+                </a:rPr>
+                <a:t>DetailView</a:t>
+              </a:r>
+              <a:endParaRPr lang="ko-KR" altLang="en-US" sz="1200" dirty="0"/>
+            </a:p>
+          </p:txBody>
+        </p:sp>
+      </p:grpSp>
+      <p:grpSp>
+        <p:nvGrpSpPr>
+          <p:cNvPr id="95" name="그룹 94"/>
+          <p:cNvGrpSpPr/>
+          <p:nvPr/>
+        </p:nvGrpSpPr>
+        <p:grpSpPr>
+          <a:xfrm>
+            <a:off x="7862334" y="5294970"/>
+            <a:ext cx="823087" cy="1019786"/>
+            <a:chOff x="6212866" y="370313"/>
+            <a:chExt cx="976313" cy="1209628"/>
+          </a:xfrm>
+        </p:grpSpPr>
+        <p:pic>
+          <p:nvPicPr>
+            <p:cNvPr id="97" name="그림 96"/>
+            <p:cNvPicPr>
+              <a:picLocks noChangeAspect="1"/>
+            </p:cNvPicPr>
+            <p:nvPr/>
+          </p:nvPicPr>
+          <p:blipFill>
+            <a:blip r:embed="rId2" cstate="print">
+              <a:extLst>
+                <a:ext uri="{28A0092B-C50C-407E-A947-70E740481C1C}">
+                  <a14:useLocalDpi xmlns:a14="http://schemas.microsoft.com/office/drawing/2010/main" val="0"/>
+                </a:ext>
+              </a:extLst>
+            </a:blip>
+            <a:stretch>
+              <a:fillRect/>
+            </a:stretch>
+          </p:blipFill>
+          <p:spPr>
+            <a:xfrm>
+              <a:off x="6212866" y="370313"/>
+              <a:ext cx="976313" cy="976313"/>
+            </a:xfrm>
+            <a:prstGeom prst="rect">
+              <a:avLst/>
+            </a:prstGeom>
+          </p:spPr>
+        </p:pic>
+        <p:sp>
+          <p:nvSpPr>
+            <p:cNvPr id="99" name="직사각형 98"/>
+            <p:cNvSpPr/>
+            <p:nvPr/>
+          </p:nvSpPr>
+          <p:spPr>
+            <a:xfrm>
+              <a:off x="6505093" y="1251376"/>
+              <a:ext cx="574153" cy="328565"/>
+            </a:xfrm>
+            <a:prstGeom prst="rect">
+              <a:avLst/>
+            </a:prstGeom>
+            <a:solidFill>
+              <a:schemeClr val="tx1">
+                <a:lumMod val="75000"/>
+                <a:lumOff val="25000"/>
+              </a:schemeClr>
+            </a:solidFill>
+          </p:spPr>
+          <p:txBody>
+            <a:bodyPr wrap="none">
+              <a:spAutoFit/>
+            </a:bodyPr>
+            <a:lstStyle/>
+            <a:p>
+              <a:r>
+                <a:rPr lang="en-US" altLang="ko-KR" sz="1200" dirty="0" smtClean="0">
+                  <a:solidFill>
+                    <a:schemeClr val="bg1">
+                      <a:lumMod val="95000"/>
+                    </a:schemeClr>
+                  </a:solidFill>
+                  <a:latin typeface="a옛날목욕탕L" panose="02020600000000000000" pitchFamily="18" charset="-127"/>
+                  <a:ea typeface="a옛날목욕탕L" panose="02020600000000000000" pitchFamily="18" charset="-127"/>
+                </a:rPr>
+                <a:t>Pay</a:t>
+              </a:r>
+              <a:endParaRPr lang="ko-KR" altLang="en-US" sz="1200" dirty="0"/>
+            </a:p>
+          </p:txBody>
+        </p:sp>
+      </p:grpSp>
+      <p:cxnSp>
+        <p:nvCxnSpPr>
+          <p:cNvPr id="101" name="직선 연결선 100"/>
+          <p:cNvCxnSpPr/>
+          <p:nvPr/>
+        </p:nvCxnSpPr>
+        <p:spPr>
+          <a:xfrm flipH="1">
+            <a:off x="8355078" y="3690772"/>
+            <a:ext cx="798761" cy="0"/>
+          </a:xfrm>
+          <a:prstGeom prst="line">
+            <a:avLst/>
+          </a:prstGeom>
+          <a:ln w="38100">
+            <a:solidFill>
+              <a:srgbClr val="404040"/>
+            </a:solidFill>
+          </a:ln>
+        </p:spPr>
+        <p:style>
+          <a:lnRef idx="1">
+            <a:schemeClr val="accent1"/>
+          </a:lnRef>
+          <a:fillRef idx="0">
+            <a:schemeClr val="accent1"/>
+          </a:fillRef>
+          <a:effectRef idx="0">
+            <a:schemeClr val="accent1"/>
+          </a:effectRef>
+          <a:fontRef idx="minor">
+            <a:schemeClr val="tx1"/>
+          </a:fontRef>
+        </p:style>
+      </p:cxnSp>
+      <p:cxnSp>
+        <p:nvCxnSpPr>
+          <p:cNvPr id="121" name="직선 연결선 120"/>
+          <p:cNvCxnSpPr/>
+          <p:nvPr/>
+        </p:nvCxnSpPr>
+        <p:spPr>
+          <a:xfrm>
+            <a:off x="9136905" y="3690772"/>
+            <a:ext cx="0" cy="311368"/>
+          </a:xfrm>
+          <a:prstGeom prst="line">
+            <a:avLst/>
+          </a:prstGeom>
+          <a:ln w="38100">
+            <a:solidFill>
+              <a:srgbClr val="404040"/>
+            </a:solidFill>
+          </a:ln>
+        </p:spPr>
+        <p:style>
+          <a:lnRef idx="1">
+            <a:schemeClr val="accent1"/>
+          </a:lnRef>
+          <a:fillRef idx="0">
+            <a:schemeClr val="accent1"/>
+          </a:fillRef>
+          <a:effectRef idx="0">
+            <a:schemeClr val="accent1"/>
+          </a:effectRef>
+          <a:fontRef idx="minor">
+            <a:schemeClr val="tx1"/>
+          </a:fontRef>
+        </p:style>
+      </p:cxnSp>
+      <p:grpSp>
+        <p:nvGrpSpPr>
+          <p:cNvPr id="132" name="그룹 131"/>
+          <p:cNvGrpSpPr/>
+          <p:nvPr/>
+        </p:nvGrpSpPr>
+        <p:grpSpPr>
+          <a:xfrm>
+            <a:off x="2360990" y="2056164"/>
+            <a:ext cx="1131541" cy="973619"/>
+            <a:chOff x="6212866" y="370313"/>
+            <a:chExt cx="1342185" cy="1154866"/>
+          </a:xfrm>
+        </p:grpSpPr>
+        <p:pic>
+          <p:nvPicPr>
+            <p:cNvPr id="133" name="그림 132"/>
+            <p:cNvPicPr>
+              <a:picLocks noChangeAspect="1"/>
+            </p:cNvPicPr>
+            <p:nvPr/>
+          </p:nvPicPr>
+          <p:blipFill>
+            <a:blip r:embed="rId2" cstate="print">
+              <a:extLst>
+                <a:ext uri="{28A0092B-C50C-407E-A947-70E740481C1C}">
+                  <a14:useLocalDpi xmlns:a14="http://schemas.microsoft.com/office/drawing/2010/main" val="0"/>
+                </a:ext>
+              </a:extLst>
+            </a:blip>
+            <a:stretch>
+              <a:fillRect/>
+            </a:stretch>
+          </p:blipFill>
+          <p:spPr>
+            <a:xfrm>
+              <a:off x="6212866" y="370313"/>
+              <a:ext cx="976313" cy="976313"/>
+            </a:xfrm>
+            <a:prstGeom prst="rect">
+              <a:avLst/>
+            </a:prstGeom>
+          </p:spPr>
+        </p:pic>
+        <p:sp>
+          <p:nvSpPr>
+            <p:cNvPr id="134" name="직사각형 133"/>
+            <p:cNvSpPr/>
+            <p:nvPr/>
+          </p:nvSpPr>
+          <p:spPr>
+            <a:xfrm>
+              <a:off x="6505090" y="1251376"/>
+              <a:ext cx="1049961" cy="273803"/>
+            </a:xfrm>
+            <a:prstGeom prst="rect">
+              <a:avLst/>
+            </a:prstGeom>
+            <a:solidFill>
+              <a:schemeClr val="tx1">
+                <a:lumMod val="75000"/>
+                <a:lumOff val="25000"/>
+              </a:schemeClr>
+            </a:solidFill>
+          </p:spPr>
+          <p:txBody>
+            <a:bodyPr wrap="none">
+              <a:spAutoFit/>
+            </a:bodyPr>
+            <a:lstStyle/>
+            <a:p>
+              <a:r>
+                <a:rPr lang="en-US" altLang="ko-KR" sz="900" dirty="0" err="1" smtClean="0">
+                  <a:solidFill>
+                    <a:schemeClr val="bg1">
+                      <a:lumMod val="95000"/>
+                    </a:schemeClr>
+                  </a:solidFill>
+                  <a:latin typeface="a옛날목욕탕L" panose="02020600000000000000" pitchFamily="18" charset="-127"/>
+                  <a:ea typeface="a옛날목욕탕L" panose="02020600000000000000" pitchFamily="18" charset="-127"/>
+                </a:rPr>
+                <a:t>S_Location</a:t>
+              </a:r>
+              <a:endParaRPr lang="ko-KR" altLang="en-US" sz="1200" dirty="0"/>
+            </a:p>
+          </p:txBody>
+        </p:sp>
+      </p:grpSp>
+      <p:grpSp>
+        <p:nvGrpSpPr>
+          <p:cNvPr id="138" name="그룹 137"/>
+          <p:cNvGrpSpPr/>
+          <p:nvPr/>
+        </p:nvGrpSpPr>
+        <p:grpSpPr>
+          <a:xfrm>
+            <a:off x="3517932" y="2056164"/>
+            <a:ext cx="1137953" cy="973619"/>
+            <a:chOff x="6212866" y="370313"/>
+            <a:chExt cx="1349791" cy="1154866"/>
+          </a:xfrm>
+        </p:grpSpPr>
+        <p:pic>
+          <p:nvPicPr>
+            <p:cNvPr id="139" name="그림 138"/>
+            <p:cNvPicPr>
+              <a:picLocks noChangeAspect="1"/>
+            </p:cNvPicPr>
+            <p:nvPr/>
+          </p:nvPicPr>
+          <p:blipFill>
+            <a:blip r:embed="rId2" cstate="print">
+              <a:extLst>
+                <a:ext uri="{28A0092B-C50C-407E-A947-70E740481C1C}">
+                  <a14:useLocalDpi xmlns:a14="http://schemas.microsoft.com/office/drawing/2010/main" val="0"/>
+                </a:ext>
+              </a:extLst>
+            </a:blip>
+            <a:stretch>
+              <a:fillRect/>
+            </a:stretch>
+          </p:blipFill>
+          <p:spPr>
+            <a:xfrm>
+              <a:off x="6212866" y="370313"/>
+              <a:ext cx="976313" cy="976313"/>
+            </a:xfrm>
+            <a:prstGeom prst="rect">
+              <a:avLst/>
+            </a:prstGeom>
+          </p:spPr>
+        </p:pic>
+        <p:sp>
+          <p:nvSpPr>
+            <p:cNvPr id="140" name="직사각형 139"/>
+            <p:cNvSpPr/>
+            <p:nvPr/>
+          </p:nvSpPr>
+          <p:spPr>
+            <a:xfrm>
+              <a:off x="6505090" y="1251376"/>
+              <a:ext cx="1057567" cy="273803"/>
+            </a:xfrm>
+            <a:prstGeom prst="rect">
+              <a:avLst/>
+            </a:prstGeom>
+            <a:solidFill>
+              <a:schemeClr val="tx1">
+                <a:lumMod val="75000"/>
+                <a:lumOff val="25000"/>
+              </a:schemeClr>
+            </a:solidFill>
+          </p:spPr>
+          <p:txBody>
+            <a:bodyPr wrap="none">
+              <a:spAutoFit/>
+            </a:bodyPr>
+            <a:lstStyle/>
+            <a:p>
+              <a:r>
+                <a:rPr lang="en-US" altLang="ko-KR" sz="900" dirty="0" err="1" smtClean="0">
+                  <a:solidFill>
+                    <a:schemeClr val="bg1">
+                      <a:lumMod val="95000"/>
+                    </a:schemeClr>
+                  </a:solidFill>
+                  <a:latin typeface="a옛날목욕탕L" panose="02020600000000000000" pitchFamily="18" charset="-127"/>
+                  <a:ea typeface="a옛날목욕탕L" panose="02020600000000000000" pitchFamily="18" charset="-127"/>
+                </a:rPr>
+                <a:t>S_Discount</a:t>
+              </a:r>
+              <a:endParaRPr lang="ko-KR" altLang="en-US" sz="1200" dirty="0"/>
+            </a:p>
+          </p:txBody>
+        </p:sp>
+      </p:grpSp>
+      <p:grpSp>
+        <p:nvGrpSpPr>
+          <p:cNvPr id="141" name="그룹 140"/>
+          <p:cNvGrpSpPr/>
+          <p:nvPr/>
+        </p:nvGrpSpPr>
+        <p:grpSpPr>
+          <a:xfrm>
+            <a:off x="4682801" y="2048037"/>
+            <a:ext cx="952004" cy="973619"/>
+            <a:chOff x="6212866" y="370313"/>
+            <a:chExt cx="1129226" cy="1154866"/>
+          </a:xfrm>
+        </p:grpSpPr>
+        <p:pic>
+          <p:nvPicPr>
+            <p:cNvPr id="142" name="그림 141"/>
+            <p:cNvPicPr>
+              <a:picLocks noChangeAspect="1"/>
+            </p:cNvPicPr>
+            <p:nvPr/>
+          </p:nvPicPr>
+          <p:blipFill>
+            <a:blip r:embed="rId2" cstate="print">
+              <a:extLst>
+                <a:ext uri="{28A0092B-C50C-407E-A947-70E740481C1C}">
+                  <a14:useLocalDpi xmlns:a14="http://schemas.microsoft.com/office/drawing/2010/main" val="0"/>
+                </a:ext>
+              </a:extLst>
+            </a:blip>
+            <a:stretch>
+              <a:fillRect/>
+            </a:stretch>
+          </p:blipFill>
+          <p:spPr>
+            <a:xfrm>
+              <a:off x="6212866" y="370313"/>
+              <a:ext cx="976313" cy="976313"/>
+            </a:xfrm>
+            <a:prstGeom prst="rect">
+              <a:avLst/>
+            </a:prstGeom>
+          </p:spPr>
+        </p:pic>
+        <p:sp>
+          <p:nvSpPr>
+            <p:cNvPr id="143" name="직사각형 142"/>
+            <p:cNvSpPr/>
+            <p:nvPr/>
+          </p:nvSpPr>
+          <p:spPr>
+            <a:xfrm>
+              <a:off x="6505090" y="1251376"/>
+              <a:ext cx="837002" cy="273803"/>
+            </a:xfrm>
+            <a:prstGeom prst="rect">
+              <a:avLst/>
+            </a:prstGeom>
+            <a:solidFill>
+              <a:schemeClr val="tx1">
+                <a:lumMod val="75000"/>
+                <a:lumOff val="25000"/>
+              </a:schemeClr>
+            </a:solidFill>
+          </p:spPr>
+          <p:txBody>
+            <a:bodyPr wrap="none">
+              <a:spAutoFit/>
+            </a:bodyPr>
+            <a:lstStyle/>
+            <a:p>
+              <a:r>
+                <a:rPr lang="en-US" altLang="ko-KR" sz="900" dirty="0" err="1" smtClean="0">
+                  <a:solidFill>
+                    <a:schemeClr val="bg1">
+                      <a:lumMod val="95000"/>
+                    </a:schemeClr>
+                  </a:solidFill>
+                  <a:latin typeface="a옛날목욕탕L" panose="02020600000000000000" pitchFamily="18" charset="-127"/>
+                  <a:ea typeface="a옛날목욕탕L" panose="02020600000000000000" pitchFamily="18" charset="-127"/>
+                </a:rPr>
+                <a:t>S_Group</a:t>
+              </a:r>
+              <a:endParaRPr lang="ko-KR" altLang="en-US" sz="1200" dirty="0"/>
+            </a:p>
+          </p:txBody>
+        </p:sp>
+      </p:grpSp>
+      <p:grpSp>
+        <p:nvGrpSpPr>
+          <p:cNvPr id="144" name="그룹 143"/>
+          <p:cNvGrpSpPr/>
+          <p:nvPr/>
+        </p:nvGrpSpPr>
+        <p:grpSpPr>
+          <a:xfrm>
+            <a:off x="5765107" y="2056164"/>
+            <a:ext cx="1107495" cy="973619"/>
+            <a:chOff x="6212866" y="370313"/>
+            <a:chExt cx="1313663" cy="1154866"/>
+          </a:xfrm>
+        </p:grpSpPr>
+        <p:pic>
+          <p:nvPicPr>
+            <p:cNvPr id="145" name="그림 144"/>
+            <p:cNvPicPr>
+              <a:picLocks noChangeAspect="1"/>
+            </p:cNvPicPr>
+            <p:nvPr/>
+          </p:nvPicPr>
+          <p:blipFill>
+            <a:blip r:embed="rId2" cstate="print">
+              <a:extLst>
+                <a:ext uri="{28A0092B-C50C-407E-A947-70E740481C1C}">
+                  <a14:useLocalDpi xmlns:a14="http://schemas.microsoft.com/office/drawing/2010/main" val="0"/>
+                </a:ext>
+              </a:extLst>
+            </a:blip>
+            <a:stretch>
+              <a:fillRect/>
+            </a:stretch>
+          </p:blipFill>
+          <p:spPr>
+            <a:xfrm>
+              <a:off x="6212866" y="370313"/>
+              <a:ext cx="976313" cy="976313"/>
+            </a:xfrm>
+            <a:prstGeom prst="rect">
+              <a:avLst/>
+            </a:prstGeom>
+          </p:spPr>
+        </p:pic>
+        <p:sp>
+          <p:nvSpPr>
+            <p:cNvPr id="146" name="직사각형 145"/>
+            <p:cNvSpPr/>
+            <p:nvPr/>
+          </p:nvSpPr>
+          <p:spPr>
+            <a:xfrm>
+              <a:off x="6505090" y="1251376"/>
+              <a:ext cx="1021439" cy="273803"/>
+            </a:xfrm>
+            <a:prstGeom prst="rect">
+              <a:avLst/>
+            </a:prstGeom>
+            <a:solidFill>
+              <a:schemeClr val="tx1">
+                <a:lumMod val="75000"/>
+                <a:lumOff val="25000"/>
+              </a:schemeClr>
+            </a:solidFill>
+          </p:spPr>
+          <p:txBody>
+            <a:bodyPr wrap="none">
+              <a:spAutoFit/>
+            </a:bodyPr>
+            <a:lstStyle/>
+            <a:p>
+              <a:r>
+                <a:rPr lang="en-US" altLang="ko-KR" sz="900" dirty="0" err="1" smtClean="0">
+                  <a:solidFill>
+                    <a:schemeClr val="bg1">
+                      <a:lumMod val="95000"/>
+                    </a:schemeClr>
+                  </a:solidFill>
+                  <a:latin typeface="a옛날목욕탕L" panose="02020600000000000000" pitchFamily="18" charset="-127"/>
+                  <a:ea typeface="a옛날목욕탕L" panose="02020600000000000000" pitchFamily="18" charset="-127"/>
+                </a:rPr>
+                <a:t>S_OneShot</a:t>
+              </a:r>
+              <a:endParaRPr lang="ko-KR" altLang="en-US" sz="1200" dirty="0"/>
+            </a:p>
+          </p:txBody>
+        </p:sp>
+      </p:grpSp>
+      <p:grpSp>
+        <p:nvGrpSpPr>
+          <p:cNvPr id="147" name="그룹 146"/>
+          <p:cNvGrpSpPr/>
+          <p:nvPr/>
+        </p:nvGrpSpPr>
+        <p:grpSpPr>
+          <a:xfrm>
+            <a:off x="6893606" y="2048037"/>
+            <a:ext cx="987270" cy="973619"/>
+            <a:chOff x="6212866" y="370313"/>
+            <a:chExt cx="1171056" cy="1154866"/>
+          </a:xfrm>
+        </p:grpSpPr>
+        <p:pic>
+          <p:nvPicPr>
+            <p:cNvPr id="148" name="그림 147"/>
+            <p:cNvPicPr>
+              <a:picLocks noChangeAspect="1"/>
+            </p:cNvPicPr>
+            <p:nvPr/>
+          </p:nvPicPr>
+          <p:blipFill>
+            <a:blip r:embed="rId2" cstate="print">
+              <a:extLst>
+                <a:ext uri="{28A0092B-C50C-407E-A947-70E740481C1C}">
+                  <a14:useLocalDpi xmlns:a14="http://schemas.microsoft.com/office/drawing/2010/main" val="0"/>
+                </a:ext>
+              </a:extLst>
+            </a:blip>
+            <a:stretch>
+              <a:fillRect/>
+            </a:stretch>
+          </p:blipFill>
+          <p:spPr>
+            <a:xfrm>
+              <a:off x="6212866" y="370313"/>
+              <a:ext cx="976313" cy="976313"/>
+            </a:xfrm>
+            <a:prstGeom prst="rect">
+              <a:avLst/>
+            </a:prstGeom>
+          </p:spPr>
+        </p:pic>
+        <p:sp>
+          <p:nvSpPr>
+            <p:cNvPr id="149" name="직사각형 148"/>
+            <p:cNvSpPr/>
+            <p:nvPr/>
+          </p:nvSpPr>
+          <p:spPr>
+            <a:xfrm>
+              <a:off x="6505090" y="1251376"/>
+              <a:ext cx="878832" cy="273803"/>
+            </a:xfrm>
+            <a:prstGeom prst="rect">
+              <a:avLst/>
+            </a:prstGeom>
+            <a:solidFill>
+              <a:schemeClr val="tx1">
+                <a:lumMod val="75000"/>
+                <a:lumOff val="25000"/>
+              </a:schemeClr>
+            </a:solidFill>
+          </p:spPr>
+          <p:txBody>
+            <a:bodyPr wrap="none">
+              <a:spAutoFit/>
+            </a:bodyPr>
+            <a:lstStyle/>
+            <a:p>
+              <a:r>
+                <a:rPr lang="en-US" altLang="ko-KR" sz="900" dirty="0" err="1" smtClean="0">
+                  <a:solidFill>
+                    <a:schemeClr val="bg1">
+                      <a:lumMod val="95000"/>
+                    </a:schemeClr>
+                  </a:solidFill>
+                  <a:latin typeface="a옛날목욕탕L" panose="02020600000000000000" pitchFamily="18" charset="-127"/>
+                  <a:ea typeface="a옛날목욕탕L" panose="02020600000000000000" pitchFamily="18" charset="-127"/>
+                </a:rPr>
+                <a:t>S_OnMap</a:t>
+              </a:r>
+              <a:endParaRPr lang="ko-KR" altLang="en-US" sz="1200" dirty="0"/>
+            </a:p>
+          </p:txBody>
+        </p:sp>
+      </p:grpSp>
+      <p:cxnSp>
+        <p:nvCxnSpPr>
+          <p:cNvPr id="156" name="직선 연결선 155"/>
+          <p:cNvCxnSpPr/>
+          <p:nvPr/>
+        </p:nvCxnSpPr>
+        <p:spPr>
+          <a:xfrm>
+            <a:off x="11212792" y="867533"/>
+            <a:ext cx="0" cy="585878"/>
+          </a:xfrm>
+          <a:prstGeom prst="line">
+            <a:avLst/>
+          </a:prstGeom>
+          <a:ln w="38100">
+            <a:solidFill>
+              <a:srgbClr val="404040"/>
+            </a:solidFill>
+          </a:ln>
+        </p:spPr>
+        <p:style>
+          <a:lnRef idx="1">
+            <a:schemeClr val="accent1"/>
+          </a:lnRef>
+          <a:fillRef idx="0">
+            <a:schemeClr val="accent1"/>
+          </a:fillRef>
+          <a:effectRef idx="0">
+            <a:schemeClr val="accent1"/>
+          </a:effectRef>
+          <a:fontRef idx="minor">
+            <a:schemeClr val="tx1"/>
+          </a:fontRef>
+        </p:style>
+      </p:cxnSp>
       <p:grpSp>
         <p:nvGrpSpPr>
           <p:cNvPr id="109" name="그룹 108"/>
@@ -5160,10 +5130,10 @@
         </p:nvGrpSpPr>
         <p:grpSpPr>
           <a:xfrm>
-            <a:off x="3477435" y="443086"/>
-            <a:ext cx="1069025" cy="1019786"/>
+            <a:off x="10786273" y="1224949"/>
+            <a:ext cx="1057035" cy="1019786"/>
             <a:chOff x="6212866" y="370313"/>
-            <a:chExt cx="1268034" cy="1209628"/>
+            <a:chExt cx="1253812" cy="1209628"/>
           </a:xfrm>
         </p:grpSpPr>
         <p:pic>
@@ -5205,7 +5175,7 @@
           <p:spPr>
             <a:xfrm>
               <a:off x="6505093" y="1251376"/>
-              <a:ext cx="975807" cy="328565"/>
+              <a:ext cx="961585" cy="328565"/>
             </a:xfrm>
             <a:prstGeom prst="rect">
               <a:avLst/>
@@ -5224,34 +5194,153 @@
             <a:lstStyle/>
             <a:p>
               <a:r>
-                <a:rPr lang="ko-KR" altLang="en-US" sz="1200" dirty="0" smtClean="0">
-                  <a:solidFill>
-                    <a:schemeClr val="bg1">
-                      <a:lumMod val="95000"/>
-                    </a:schemeClr>
-                  </a:solidFill>
-                  <a:latin typeface="a옛날목욕탕L" panose="02020600000000000000" pitchFamily="18" charset="-127"/>
-                  <a:ea typeface="a옛날목욕탕L" panose="02020600000000000000" pitchFamily="18" charset="-127"/>
-                </a:rPr>
-                <a:t>유휴 </a:t>
-              </a:r>
-              <a:r>
                 <a:rPr lang="en-US" altLang="ko-KR" sz="1200" dirty="0" err="1" smtClean="0">
                   <a:solidFill>
-                    <a:schemeClr val="bg1">
-                      <a:lumMod val="95000"/>
-                    </a:schemeClr>
+                    <a:schemeClr val="bg1"/>
                   </a:solidFill>
-                  <a:latin typeface="a옛날목욕탕L" panose="02020600000000000000" pitchFamily="18" charset="-127"/>
-                  <a:ea typeface="a옛날목욕탕L" panose="02020600000000000000" pitchFamily="18" charset="-127"/>
+                  <a:latin typeface="a옛날목욕탕L" pitchFamily="18" charset="-127"/>
+                  <a:ea typeface="a옛날목욕탕L" pitchFamily="18" charset="-127"/>
                 </a:rPr>
-                <a:t>QnA</a:t>
+                <a:t>Q_ToYH</a:t>
               </a:r>
-              <a:endParaRPr lang="ko-KR" altLang="en-US" sz="1200" dirty="0"/>
+              <a:endParaRPr lang="ko-KR" altLang="en-US" sz="1200" dirty="0">
+                <a:solidFill>
+                  <a:schemeClr val="bg1"/>
+                </a:solidFill>
+                <a:latin typeface="a옛날목욕탕L" pitchFamily="18" charset="-127"/>
+                <a:ea typeface="a옛날목욕탕L" pitchFamily="18" charset="-127"/>
+              </a:endParaRPr>
             </a:p>
           </p:txBody>
         </p:sp>
       </p:grpSp>
+      <p:grpSp>
+        <p:nvGrpSpPr>
+          <p:cNvPr id="162" name="그룹 161"/>
+          <p:cNvGrpSpPr/>
+          <p:nvPr/>
+        </p:nvGrpSpPr>
+        <p:grpSpPr>
+          <a:xfrm>
+            <a:off x="3842820" y="5340034"/>
+            <a:ext cx="1486256" cy="1019786"/>
+            <a:chOff x="6212865" y="370313"/>
+            <a:chExt cx="1762938" cy="1209628"/>
+          </a:xfrm>
+        </p:grpSpPr>
+        <p:pic>
+          <p:nvPicPr>
+            <p:cNvPr id="163" name="그림 162"/>
+            <p:cNvPicPr>
+              <a:picLocks noChangeAspect="1"/>
+            </p:cNvPicPr>
+            <p:nvPr/>
+          </p:nvPicPr>
+          <p:blipFill>
+            <a:blip r:embed="rId2" cstate="print">
+              <a:extLst>
+                <a:ext uri="{28A0092B-C50C-407E-A947-70E740481C1C}">
+                  <a14:useLocalDpi xmlns:a14="http://schemas.microsoft.com/office/drawing/2010/main" val="0"/>
+                </a:ext>
+              </a:extLst>
+            </a:blip>
+            <a:stretch>
+              <a:fillRect/>
+            </a:stretch>
+          </p:blipFill>
+          <p:spPr>
+            <a:xfrm>
+              <a:off x="6212865" y="370313"/>
+              <a:ext cx="976313" cy="976313"/>
+            </a:xfrm>
+            <a:prstGeom prst="rect">
+              <a:avLst/>
+            </a:prstGeom>
+          </p:spPr>
+        </p:pic>
+        <p:sp>
+          <p:nvSpPr>
+            <p:cNvPr id="164" name="직사각형 163"/>
+            <p:cNvSpPr/>
+            <p:nvPr/>
+          </p:nvSpPr>
+          <p:spPr>
+            <a:xfrm>
+              <a:off x="6505093" y="1251376"/>
+              <a:ext cx="1470710" cy="328565"/>
+            </a:xfrm>
+            <a:prstGeom prst="rect">
+              <a:avLst/>
+            </a:prstGeom>
+            <a:solidFill>
+              <a:schemeClr val="tx1">
+                <a:lumMod val="75000"/>
+                <a:lumOff val="25000"/>
+              </a:schemeClr>
+            </a:solidFill>
+          </p:spPr>
+          <p:txBody>
+            <a:bodyPr wrap="none">
+              <a:spAutoFit/>
+            </a:bodyPr>
+            <a:lstStyle/>
+            <a:p>
+              <a:r>
+                <a:rPr lang="en-US" altLang="ko-KR" sz="1200" dirty="0" err="1" smtClean="0">
+                  <a:solidFill>
+                    <a:schemeClr val="bg1"/>
+                  </a:solidFill>
+                  <a:latin typeface="a옛날목욕탕L" pitchFamily="18" charset="-127"/>
+                  <a:ea typeface="a옛날목욕탕L" pitchFamily="18" charset="-127"/>
+                </a:rPr>
+                <a:t>Q_ToPension</a:t>
+              </a:r>
+              <a:endParaRPr lang="ko-KR" altLang="en-US" sz="1200" dirty="0">
+                <a:solidFill>
+                  <a:schemeClr val="bg1"/>
+                </a:solidFill>
+                <a:latin typeface="a옛날목욕탕L" pitchFamily="18" charset="-127"/>
+                <a:ea typeface="a옛날목욕탕L" pitchFamily="18" charset="-127"/>
+              </a:endParaRPr>
+            </a:p>
+          </p:txBody>
+        </p:sp>
+      </p:grpSp>
+      <p:cxnSp>
+        <p:nvCxnSpPr>
+          <p:cNvPr id="165" name="직선 연결선 164"/>
+          <p:cNvCxnSpPr/>
+          <p:nvPr/>
+        </p:nvCxnSpPr>
+        <p:spPr>
+          <a:xfrm flipH="1">
+            <a:off x="4633260" y="5781758"/>
+            <a:ext cx="1266995" cy="0"/>
+          </a:xfrm>
+          <a:prstGeom prst="line">
+            <a:avLst/>
+          </a:prstGeom>
+          <a:ln w="38100">
+            <a:solidFill>
+              <a:srgbClr val="404040"/>
+            </a:solidFill>
+          </a:ln>
+        </p:spPr>
+        <p:style>
+          <a:lnRef idx="1">
+            <a:schemeClr val="accent1"/>
+          </a:lnRef>
+          <a:fillRef idx="0">
+            <a:schemeClr val="accent1"/>
+          </a:fillRef>
+          <a:effectRef idx="0">
+            <a:schemeClr val="accent1"/>
+          </a:effectRef>
+          <a:fontRef idx="minor">
+            <a:schemeClr val="tx1"/>
+          </a:fontRef>
+        </p:style>
+      </p:cxnSp>
     </p:spTree>
     <p:extLst>
       <p:ext uri="{BB962C8B-B14F-4D97-AF65-F5344CB8AC3E}">
@@ -5291,6 +5380,41 @@
       </p:grpSpPr>
       <p:cxnSp>
         <p:nvCxnSpPr>
+          <p:cNvPr id="48" name="직선 연결선 47"/>
+          <p:cNvCxnSpPr/>
+          <p:nvPr/>
+        </p:nvCxnSpPr>
+        <p:spPr>
+          <a:xfrm flipH="1">
+            <a:off x="8160444" y="1546352"/>
+            <a:ext cx="2050356" cy="0"/>
+          </a:xfrm>
+          <a:prstGeom prst="line">
+            <a:avLst/>
+          </a:prstGeom>
+          <a:ln w="38100">
+            <a:solidFill>
+              <a:srgbClr val="404040"/>
+            </a:solidFill>
+          </a:ln>
+        </p:spPr>
+        <p:style>
+          <a:lnRef idx="1">
+            <a:schemeClr val="accent1"/>
+          </a:lnRef>
+          <a:fillRef idx="0">
+            <a:schemeClr val="accent1"/>
+          </a:fillRef>
+          <a:effectRef idx="0">
+            <a:schemeClr val="accent1"/>
+          </a:effectRef>
+          <a:fontRef idx="minor">
+            <a:schemeClr val="tx1"/>
+          </a:fontRef>
+        </p:style>
+      </p:cxnSp>
+      <p:cxnSp>
+        <p:nvCxnSpPr>
           <p:cNvPr id="70" name="직선 연결선 69"/>
           <p:cNvCxnSpPr/>
           <p:nvPr/>
@@ -5332,7 +5456,7 @@
         </p:nvCxnSpPr>
         <p:spPr>
           <a:xfrm>
-            <a:off x="8294740" y="4312655"/>
+            <a:off x="10537324" y="3640939"/>
             <a:ext cx="0" cy="724165"/>
           </a:xfrm>
           <a:prstGeom prst="line">
@@ -5868,42 +5992,7 @@
         </p:nvCxnSpPr>
         <p:spPr>
           <a:xfrm>
-            <a:off x="9491726" y="4312655"/>
-            <a:ext cx="0" cy="639141"/>
-          </a:xfrm>
-          <a:prstGeom prst="line">
-            <a:avLst/>
-          </a:prstGeom>
-          <a:ln w="38100">
-            <a:solidFill>
-              <a:srgbClr val="404040"/>
-            </a:solidFill>
-          </a:ln>
-        </p:spPr>
-        <p:style>
-          <a:lnRef idx="1">
-            <a:schemeClr val="accent1"/>
-          </a:lnRef>
-          <a:fillRef idx="0">
-            <a:schemeClr val="accent1"/>
-          </a:fillRef>
-          <a:effectRef idx="0">
-            <a:schemeClr val="accent1"/>
-          </a:effectRef>
-          <a:fontRef idx="minor">
-            <a:schemeClr val="tx1"/>
-          </a:fontRef>
-        </p:style>
-      </p:cxnSp>
-      <p:cxnSp>
-        <p:nvCxnSpPr>
-          <p:cNvPr id="59" name="직선 연결선 58"/>
-          <p:cNvCxnSpPr/>
-          <p:nvPr/>
-        </p:nvCxnSpPr>
-        <p:spPr>
-          <a:xfrm>
-            <a:off x="10904713" y="4312655"/>
+            <a:off x="10478055" y="2048363"/>
             <a:ext cx="0" cy="639141"/>
           </a:xfrm>
           <a:prstGeom prst="line">
@@ -5938,7 +6027,7 @@
         </p:nvCxnSpPr>
         <p:spPr>
           <a:xfrm>
-            <a:off x="10346824" y="-1"/>
+            <a:off x="10442074" y="-1"/>
             <a:ext cx="0" cy="1280161"/>
           </a:xfrm>
           <a:prstGeom prst="line">
@@ -6022,10 +6111,10 @@
         </p:nvGrpSpPr>
         <p:grpSpPr>
           <a:xfrm>
-            <a:off x="10095834" y="1062255"/>
-            <a:ext cx="1507861" cy="1019786"/>
+            <a:off x="10095835" y="1062255"/>
+            <a:ext cx="1054212" cy="1019786"/>
             <a:chOff x="6212866" y="370313"/>
-            <a:chExt cx="1788559" cy="1209628"/>
+            <a:chExt cx="1250460" cy="1209628"/>
           </a:xfrm>
         </p:grpSpPr>
         <p:pic>
@@ -6067,7 +6156,7 @@
           <p:spPr>
             <a:xfrm>
               <a:off x="6505090" y="1251376"/>
-              <a:ext cx="1496335" cy="328565"/>
+              <a:ext cx="958236" cy="328565"/>
             </a:xfrm>
             <a:prstGeom prst="rect">
               <a:avLst/>
@@ -6085,18 +6174,6 @@
             </a:bodyPr>
             <a:lstStyle/>
             <a:p>
-              <a:r>
-                <a:rPr lang="ko-KR" altLang="en-US" sz="1200" dirty="0" smtClean="0">
-                  <a:solidFill>
-                    <a:schemeClr val="bg1">
-                      <a:lumMod val="95000"/>
-                    </a:schemeClr>
-                  </a:solidFill>
-                  <a:latin typeface="a옛날목욕탕L" panose="02020600000000000000" pitchFamily="18" charset="-127"/>
-                  <a:ea typeface="a옛날목욕탕L" panose="02020600000000000000" pitchFamily="18" charset="-127"/>
-                </a:rPr>
-                <a:t>사용자 </a:t>
-              </a:r>
               <a:r>
                 <a:rPr lang="en-US" altLang="ko-KR" sz="1200" dirty="0" err="1" smtClean="0">
                   <a:solidFill>
@@ -6122,10 +6199,10 @@
         </p:nvGrpSpPr>
         <p:grpSpPr>
           <a:xfrm>
-            <a:off x="9272735" y="4894602"/>
-            <a:ext cx="1264589" cy="1019786"/>
+            <a:off x="10097580" y="2621153"/>
+            <a:ext cx="979255" cy="1019786"/>
             <a:chOff x="6212866" y="370313"/>
-            <a:chExt cx="1500007" cy="1209628"/>
+            <a:chExt cx="1161555" cy="1209628"/>
           </a:xfrm>
         </p:grpSpPr>
         <p:pic>
@@ -6167,7 +6244,7 @@
           <p:spPr>
             <a:xfrm>
               <a:off x="6505091" y="1251376"/>
-              <a:ext cx="1207782" cy="328565"/>
+              <a:ext cx="869330" cy="328565"/>
             </a:xfrm>
             <a:prstGeom prst="rect">
               <a:avLst/>
@@ -6186,7 +6263,7 @@
             <a:lstStyle/>
             <a:p>
               <a:r>
-                <a:rPr lang="ko-KR" altLang="en-US" sz="1200" dirty="0" smtClean="0">
+                <a:rPr lang="en-US" altLang="ko-KR" sz="1200" dirty="0" smtClean="0">
                   <a:solidFill>
                     <a:schemeClr val="bg1">
                       <a:lumMod val="95000"/>
@@ -6195,7 +6272,7 @@
                   <a:latin typeface="a옛날목욕탕L" panose="02020600000000000000" pitchFamily="18" charset="-127"/>
                   <a:ea typeface="a옛날목욕탕L" panose="02020600000000000000" pitchFamily="18" charset="-127"/>
                 </a:rPr>
-                <a:t>개인정보 수정</a:t>
+                <a:t>Modify</a:t>
               </a:r>
               <a:endParaRPr lang="ko-KR" altLang="en-US" sz="1200" dirty="0"/>
             </a:p>
@@ -6210,10 +6287,10 @@
         </p:nvGrpSpPr>
         <p:grpSpPr>
           <a:xfrm>
-            <a:off x="10696452" y="4891775"/>
-            <a:ext cx="1048186" cy="1019786"/>
+            <a:off x="10166268" y="4278524"/>
+            <a:ext cx="1336726" cy="1019786"/>
             <a:chOff x="6212866" y="370313"/>
-            <a:chExt cx="1243313" cy="1209628"/>
+            <a:chExt cx="1585566" cy="1209628"/>
           </a:xfrm>
         </p:grpSpPr>
         <p:pic>
@@ -6255,7 +6332,7 @@
           <p:spPr>
             <a:xfrm>
               <a:off x="6505091" y="1251376"/>
-              <a:ext cx="951088" cy="328565"/>
+              <a:ext cx="1293341" cy="328565"/>
             </a:xfrm>
             <a:prstGeom prst="rect">
               <a:avLst/>
@@ -6274,7 +6351,7 @@
             <a:lstStyle/>
             <a:p>
               <a:r>
-                <a:rPr lang="ko-KR" altLang="en-US" sz="1200" dirty="0" err="1" smtClean="0">
+                <a:rPr lang="en-US" altLang="ko-KR" sz="1200" dirty="0" smtClean="0">
                   <a:solidFill>
                     <a:schemeClr val="bg1">
                       <a:lumMod val="95000"/>
@@ -6283,119 +6360,7 @@
                   <a:latin typeface="a옛날목욕탕L" panose="02020600000000000000" pitchFamily="18" charset="-127"/>
                   <a:ea typeface="a옛날목욕탕L" panose="02020600000000000000" pitchFamily="18" charset="-127"/>
                 </a:rPr>
-                <a:t>찜한</a:t>
-              </a:r>
-              <a:r>
-                <a:rPr lang="ko-KR" altLang="en-US" sz="1200" dirty="0" smtClean="0">
-                  <a:solidFill>
-                    <a:schemeClr val="bg1">
-                      <a:lumMod val="95000"/>
-                    </a:schemeClr>
-                  </a:solidFill>
-                  <a:latin typeface="a옛날목욕탕L" panose="02020600000000000000" pitchFamily="18" charset="-127"/>
-                  <a:ea typeface="a옛날목욕탕L" panose="02020600000000000000" pitchFamily="18" charset="-127"/>
-                </a:rPr>
-                <a:t> </a:t>
-              </a:r>
-              <a:r>
-                <a:rPr lang="ko-KR" altLang="en-US" sz="1200" dirty="0" err="1" smtClean="0">
-                  <a:solidFill>
-                    <a:schemeClr val="bg1">
-                      <a:lumMod val="95000"/>
-                    </a:schemeClr>
-                  </a:solidFill>
-                  <a:latin typeface="a옛날목욕탕L" panose="02020600000000000000" pitchFamily="18" charset="-127"/>
-                  <a:ea typeface="a옛날목욕탕L" panose="02020600000000000000" pitchFamily="18" charset="-127"/>
-                </a:rPr>
-                <a:t>펜션</a:t>
-              </a:r>
-              <a:endParaRPr lang="ko-KR" altLang="en-US" sz="1200" dirty="0"/>
-            </a:p>
-          </p:txBody>
-        </p:sp>
-      </p:grpSp>
-      <p:grpSp>
-        <p:nvGrpSpPr>
-          <p:cNvPr id="17" name="그룹 16"/>
-          <p:cNvGrpSpPr/>
-          <p:nvPr/>
-        </p:nvGrpSpPr>
-        <p:grpSpPr>
-          <a:xfrm>
-            <a:off x="7932093" y="4894602"/>
-            <a:ext cx="1027345" cy="1019786"/>
-            <a:chOff x="6212866" y="370313"/>
-            <a:chExt cx="1218592" cy="1209628"/>
-          </a:xfrm>
-        </p:grpSpPr>
-        <p:pic>
-          <p:nvPicPr>
-            <p:cNvPr id="18" name="그림 17"/>
-            <p:cNvPicPr>
-              <a:picLocks noChangeAspect="1"/>
-            </p:cNvPicPr>
-            <p:nvPr/>
-          </p:nvPicPr>
-          <p:blipFill>
-            <a:blip r:embed="rId2" cstate="print">
-              <a:extLst>
-                <a:ext uri="{28A0092B-C50C-407E-A947-70E740481C1C}">
-                  <a14:useLocalDpi xmlns:a14="http://schemas.microsoft.com/office/drawing/2010/main" val="0"/>
-                </a:ext>
-              </a:extLst>
-            </a:blip>
-            <a:stretch>
-              <a:fillRect/>
-            </a:stretch>
-          </p:blipFill>
-          <p:spPr>
-            <a:xfrm>
-              <a:off x="6212866" y="370313"/>
-              <a:ext cx="976313" cy="976313"/>
-            </a:xfrm>
-            <a:prstGeom prst="rect">
-              <a:avLst/>
-            </a:prstGeom>
-          </p:spPr>
-        </p:pic>
-        <p:sp>
-          <p:nvSpPr>
-            <p:cNvPr id="19" name="직사각형 18"/>
-            <p:cNvSpPr/>
-            <p:nvPr/>
-          </p:nvSpPr>
-          <p:spPr>
-            <a:xfrm>
-              <a:off x="6505090" y="1251376"/>
-              <a:ext cx="926368" cy="328565"/>
-            </a:xfrm>
-            <a:prstGeom prst="rect">
-              <a:avLst/>
-            </a:prstGeom>
-            <a:solidFill>
-              <a:schemeClr val="tx1">
-                <a:lumMod val="75000"/>
-                <a:lumOff val="25000"/>
-              </a:schemeClr>
-            </a:solidFill>
-          </p:spPr>
-          <p:txBody>
-            <a:bodyPr wrap="none">
-              <a:spAutoFit/>
-            </a:bodyPr>
-            <a:lstStyle/>
-            <a:p>
-              <a:r>
-                <a:rPr lang="ko-KR" altLang="en-US" sz="1200" dirty="0" smtClean="0">
-                  <a:solidFill>
-                    <a:schemeClr val="bg1">
-                      <a:lumMod val="95000"/>
-                    </a:schemeClr>
-                  </a:solidFill>
-                  <a:latin typeface="a옛날목욕탕L" panose="02020600000000000000" pitchFamily="18" charset="-127"/>
-                  <a:ea typeface="a옛날목욕탕L" panose="02020600000000000000" pitchFamily="18" charset="-127"/>
-                </a:rPr>
-                <a:t>결제 내역</a:t>
+                <a:t>Withdrawal</a:t>
               </a:r>
               <a:endParaRPr lang="ko-KR" altLang="en-US" sz="1200" dirty="0"/>
             </a:p>
@@ -6583,19 +6548,7 @@
                   <a:latin typeface="a옛날목욕탕L" panose="02020600000000000000" pitchFamily="18" charset="-127"/>
                   <a:ea typeface="a옛날목욕탕L" panose="02020600000000000000" pitchFamily="18" charset="-127"/>
                 </a:rPr>
-                <a:t> 정보 </a:t>
-              </a:r>
-              <a:r>
-                <a:rPr lang="ko-KR" altLang="en-US" sz="1200" dirty="0" smtClean="0">
-                  <a:solidFill>
-                    <a:schemeClr val="bg1">
-                      <a:lumMod val="95000"/>
-                    </a:schemeClr>
-                  </a:solidFill>
-                  <a:latin typeface="a옛날목욕탕L" panose="02020600000000000000" pitchFamily="18" charset="-127"/>
-                  <a:ea typeface="a옛날목욕탕L" panose="02020600000000000000" pitchFamily="18" charset="-127"/>
-                </a:rPr>
-                <a:t>업데이트</a:t>
+                <a:t> 정보 업데이트</a:t>
               </a:r>
               <a:r>
                 <a:rPr lang="en-US" altLang="ko-KR" sz="1200" dirty="0" smtClean="0">
@@ -7155,42 +7108,7 @@
         <p:spPr>
           <a:xfrm>
             <a:off x="8179210" y="0"/>
-            <a:ext cx="0" cy="4891775"/>
-          </a:xfrm>
-          <a:prstGeom prst="line">
-            <a:avLst/>
-          </a:prstGeom>
-          <a:ln w="38100">
-            <a:solidFill>
-              <a:srgbClr val="404040"/>
-            </a:solidFill>
-          </a:ln>
-        </p:spPr>
-        <p:style>
-          <a:lnRef idx="1">
-            <a:schemeClr val="accent1"/>
-          </a:lnRef>
-          <a:fillRef idx="0">
-            <a:schemeClr val="accent1"/>
-          </a:fillRef>
-          <a:effectRef idx="0">
-            <a:schemeClr val="accent1"/>
-          </a:effectRef>
-          <a:fontRef idx="minor">
-            <a:schemeClr val="tx1"/>
-          </a:fontRef>
-        </p:style>
-      </p:cxnSp>
-      <p:cxnSp>
-        <p:nvCxnSpPr>
-          <p:cNvPr id="48" name="직선 연결선 47"/>
-          <p:cNvCxnSpPr/>
-          <p:nvPr/>
-        </p:nvCxnSpPr>
-        <p:spPr>
-          <a:xfrm flipH="1">
-            <a:off x="8282940" y="4312655"/>
-            <a:ext cx="2637013" cy="0"/>
+            <a:ext cx="0" cy="1546352"/>
           </a:xfrm>
           <a:prstGeom prst="line">
             <a:avLst/>
@@ -7331,41 +7249,6 @@
           <a:xfrm>
             <a:off x="9334500" y="0"/>
             <a:ext cx="0" cy="746495"/>
-          </a:xfrm>
-          <a:prstGeom prst="line">
-            <a:avLst/>
-          </a:prstGeom>
-          <a:ln w="38100">
-            <a:solidFill>
-              <a:srgbClr val="404040"/>
-            </a:solidFill>
-          </a:ln>
-        </p:spPr>
-        <p:style>
-          <a:lnRef idx="1">
-            <a:schemeClr val="accent1"/>
-          </a:lnRef>
-          <a:fillRef idx="0">
-            <a:schemeClr val="accent1"/>
-          </a:fillRef>
-          <a:effectRef idx="0">
-            <a:schemeClr val="accent1"/>
-          </a:effectRef>
-          <a:fontRef idx="minor">
-            <a:schemeClr val="tx1"/>
-          </a:fontRef>
-        </p:style>
-      </p:cxnSp>
-      <p:cxnSp>
-        <p:nvCxnSpPr>
-          <p:cNvPr id="83" name="직선 연결선 82"/>
-          <p:cNvCxnSpPr/>
-          <p:nvPr/>
-        </p:nvCxnSpPr>
-        <p:spPr>
-          <a:xfrm>
-            <a:off x="10611483" y="2016094"/>
-            <a:ext cx="0" cy="2296561"/>
           </a:xfrm>
           <a:prstGeom prst="line">
             <a:avLst/>
@@ -7439,15 +7322,6 @@
               </a:rPr>
               <a:t>Map</a:t>
             </a:r>
-            <a:endParaRPr lang="en-US" altLang="ko-KR" sz="4800" dirty="0" smtClean="0">
-              <a:solidFill>
-                <a:schemeClr val="bg1">
-                  <a:lumMod val="95000"/>
-                </a:schemeClr>
-              </a:solidFill>
-              <a:latin typeface="a옛날목욕탕L" panose="02020600000000000000" pitchFamily="18" charset="-127"/>
-              <a:ea typeface="a옛날목욕탕L" panose="02020600000000000000" pitchFamily="18" charset="-127"/>
-            </a:endParaRPr>
           </a:p>
         </p:txBody>
       </p:sp>
@@ -7586,6 +7460,76 @@
           </a:p>
         </p:txBody>
       </p:sp>
+      <p:cxnSp>
+        <p:nvCxnSpPr>
+          <p:cNvPr id="73" name="직선 연결선 72"/>
+          <p:cNvCxnSpPr/>
+          <p:nvPr/>
+        </p:nvCxnSpPr>
+        <p:spPr>
+          <a:xfrm flipH="1">
+            <a:off x="10442074" y="559865"/>
+            <a:ext cx="931438" cy="0"/>
+          </a:xfrm>
+          <a:prstGeom prst="line">
+            <a:avLst/>
+          </a:prstGeom>
+          <a:ln w="38100">
+            <a:solidFill>
+              <a:srgbClr val="404040"/>
+            </a:solidFill>
+          </a:ln>
+        </p:spPr>
+        <p:style>
+          <a:lnRef idx="1">
+            <a:schemeClr val="accent1"/>
+          </a:lnRef>
+          <a:fillRef idx="0">
+            <a:schemeClr val="accent1"/>
+          </a:fillRef>
+          <a:effectRef idx="0">
+            <a:schemeClr val="accent1"/>
+          </a:effectRef>
+          <a:fontRef idx="minor">
+            <a:schemeClr val="tx1"/>
+          </a:fontRef>
+        </p:style>
+      </p:cxnSp>
+      <p:cxnSp>
+        <p:nvCxnSpPr>
+          <p:cNvPr id="74" name="직선 연결선 73"/>
+          <p:cNvCxnSpPr/>
+          <p:nvPr/>
+        </p:nvCxnSpPr>
+        <p:spPr>
+          <a:xfrm>
+            <a:off x="11373512" y="-1"/>
+            <a:ext cx="0" cy="568333"/>
+          </a:xfrm>
+          <a:prstGeom prst="line">
+            <a:avLst/>
+          </a:prstGeom>
+          <a:ln w="38100">
+            <a:solidFill>
+              <a:srgbClr val="404040"/>
+            </a:solidFill>
+          </a:ln>
+        </p:spPr>
+        <p:style>
+          <a:lnRef idx="1">
+            <a:schemeClr val="accent1"/>
+          </a:lnRef>
+          <a:fillRef idx="0">
+            <a:schemeClr val="accent1"/>
+          </a:fillRef>
+          <a:effectRef idx="0">
+            <a:schemeClr val="accent1"/>
+          </a:effectRef>
+          <a:fontRef idx="minor">
+            <a:schemeClr val="tx1"/>
+          </a:fontRef>
+        </p:style>
+      </p:cxnSp>
     </p:spTree>
     <p:extLst>
       <p:ext uri="{BB962C8B-B14F-4D97-AF65-F5344CB8AC3E}">
@@ -7861,7 +7805,7 @@
   <a:extraClrSchemeLst/>
   <a:extLst>
     <a:ext uri="{05A4C25C-085E-4340-85A3-A5531E510DB2}">
-      <thm15:themeFamily xmlns="" xmlns:thm15="http://schemas.microsoft.com/office/thememl/2012/main" name="Office Theme" id="{62F939B6-93AF-4DB8-9C6B-D6C7DFDC589F}" vid="{4A3C46E8-61CC-4603-A589-7422A47A8E4A}"/>
+      <thm15:themeFamily xmlns:thm15="http://schemas.microsoft.com/office/thememl/2012/main" xmlns="" name="Office Theme" id="{62F939B6-93AF-4DB8-9C6B-D6C7DFDC589F}" vid="{4A3C46E8-61CC-4603-A589-7422A47A8E4A}"/>
     </a:ext>
   </a:extLst>
 </a:theme>
